--- a/2020179001.pptx
+++ b/2020179001.pptx
@@ -5,7 +5,7 @@
     <p:sldMasterId id="2147483648" r:id="rId1"/>
   </p:sldMasterIdLst>
   <p:notesMasterIdLst>
-    <p:notesMasterId r:id="rId28"/>
+    <p:notesMasterId r:id="rId30"/>
   </p:notesMasterIdLst>
   <p:sldIdLst>
     <p:sldId id="256" r:id="rId2"/>
@@ -23,17 +23,19 @@
     <p:sldId id="262" r:id="rId14"/>
     <p:sldId id="299" r:id="rId15"/>
     <p:sldId id="272" r:id="rId16"/>
-    <p:sldId id="281" r:id="rId17"/>
-    <p:sldId id="294" r:id="rId18"/>
-    <p:sldId id="284" r:id="rId19"/>
+    <p:sldId id="305" r:id="rId17"/>
+    <p:sldId id="306" r:id="rId18"/>
+    <p:sldId id="294" r:id="rId19"/>
     <p:sldId id="287" r:id="rId20"/>
     <p:sldId id="290" r:id="rId21"/>
     <p:sldId id="292" r:id="rId22"/>
     <p:sldId id="295" r:id="rId23"/>
     <p:sldId id="289" r:id="rId24"/>
     <p:sldId id="291" r:id="rId25"/>
-    <p:sldId id="266" r:id="rId26"/>
-    <p:sldId id="276" r:id="rId27"/>
+    <p:sldId id="307" r:id="rId26"/>
+    <p:sldId id="308" r:id="rId27"/>
+    <p:sldId id="266" r:id="rId28"/>
+    <p:sldId id="276" r:id="rId29"/>
   </p:sldIdLst>
   <p:sldSz cx="12192000" cy="6858000"/>
   <p:notesSz cx="6858000" cy="9144000"/>
@@ -4548,7 +4550,7 @@
           <a:p>
             <a:fld id="{C53E013A-8649-421C-8A8D-7A96EEEC7E17}" type="datetimeFigureOut">
               <a:rPr lang="en-IN" smtClean="0"/>
-              <a:t>16-06-2022</a:t>
+              <a:t>01-07-2022</a:t>
             </a:fld>
             <a:endParaRPr lang="en-IN"/>
           </a:p>
@@ -4984,6 +4986,90 @@
 </p:notes>
 </file>
 
+<file path=ppt/notesSlides/notesSlide3.xml><?xml version="1.0" encoding="utf-8"?>
+<p:notes xmlns:a="http://schemas.openxmlformats.org/drawingml/2006/main" xmlns:r="http://schemas.openxmlformats.org/officeDocument/2006/relationships" xmlns:p="http://schemas.openxmlformats.org/presentationml/2006/main">
+  <p:cSld>
+    <p:spTree>
+      <p:nvGrpSpPr>
+        <p:cNvPr id="1" name=""/>
+        <p:cNvGrpSpPr/>
+        <p:nvPr/>
+      </p:nvGrpSpPr>
+      <p:grpSpPr>
+        <a:xfrm>
+          <a:off x="0" y="0"/>
+          <a:ext cx="0" cy="0"/>
+          <a:chOff x="0" y="0"/>
+          <a:chExt cx="0" cy="0"/>
+        </a:xfrm>
+      </p:grpSpPr>
+      <p:sp>
+        <p:nvSpPr>
+          <p:cNvPr id="2" name="Slide Image Placeholder 1"/>
+          <p:cNvSpPr>
+            <a:spLocks noGrp="1" noRot="1" noChangeAspect="1"/>
+          </p:cNvSpPr>
+          <p:nvPr>
+            <p:ph type="sldImg"/>
+          </p:nvPr>
+        </p:nvSpPr>
+        <p:spPr/>
+      </p:sp>
+      <p:sp>
+        <p:nvSpPr>
+          <p:cNvPr id="3" name="Notes Placeholder 2"/>
+          <p:cNvSpPr>
+            <a:spLocks noGrp="1"/>
+          </p:cNvSpPr>
+          <p:nvPr>
+            <p:ph type="body" idx="1"/>
+          </p:nvPr>
+        </p:nvSpPr>
+        <p:spPr/>
+        <p:txBody>
+          <a:bodyPr/>
+          <a:lstStyle/>
+          <a:p>
+            <a:endParaRPr lang="en-IN" dirty="0"/>
+          </a:p>
+        </p:txBody>
+      </p:sp>
+      <p:sp>
+        <p:nvSpPr>
+          <p:cNvPr id="4" name="Slide Number Placeholder 3"/>
+          <p:cNvSpPr>
+            <a:spLocks noGrp="1"/>
+          </p:cNvSpPr>
+          <p:nvPr>
+            <p:ph type="sldNum" sz="quarter" idx="5"/>
+          </p:nvPr>
+        </p:nvSpPr>
+        <p:spPr/>
+        <p:txBody>
+          <a:bodyPr/>
+          <a:lstStyle/>
+          <a:p>
+            <a:fld id="{6173A798-BBED-4B3B-93ED-2FB6F4D99652}" type="slidenum">
+              <a:rPr lang="en-IN" smtClean="0"/>
+              <a:t>26</a:t>
+            </a:fld>
+            <a:endParaRPr lang="en-IN"/>
+          </a:p>
+        </p:txBody>
+      </p:sp>
+    </p:spTree>
+    <p:extLst>
+      <p:ext uri="{BB962C8B-B14F-4D97-AF65-F5344CB8AC3E}">
+        <p14:creationId xmlns:p14="http://schemas.microsoft.com/office/powerpoint/2010/main" val="3157610962"/>
+      </p:ext>
+    </p:extLst>
+  </p:cSld>
+  <p:clrMapOvr>
+    <a:masterClrMapping/>
+  </p:clrMapOvr>
+</p:notes>
+</file>
+
 <file path=ppt/slideLayouts/slideLayout1.xml><?xml version="1.0" encoding="utf-8"?>
 <p:sldLayout xmlns:a="http://schemas.openxmlformats.org/drawingml/2006/main" xmlns:r="http://schemas.openxmlformats.org/officeDocument/2006/relationships" xmlns:p="http://schemas.openxmlformats.org/presentationml/2006/main" type="title" preserve="1">
   <p:cSld name="Title Slide">
@@ -5133,7 +5219,7 @@
           <a:p>
             <a:fld id="{2FAB05C5-BEA5-412D-AD0E-503FCD1697EC}" type="datetime1">
               <a:rPr lang="en-IN" smtClean="0"/>
-              <a:t>16-06-2022</a:t>
+              <a:t>01-07-2022</a:t>
             </a:fld>
             <a:endParaRPr lang="en-IN"/>
           </a:p>
@@ -5333,7 +5419,7 @@
           <a:p>
             <a:fld id="{667FB871-A745-4FB1-93B0-09A0351C58CC}" type="datetime1">
               <a:rPr lang="en-IN" smtClean="0"/>
-              <a:t>16-06-2022</a:t>
+              <a:t>01-07-2022</a:t>
             </a:fld>
             <a:endParaRPr lang="en-IN"/>
           </a:p>
@@ -5543,7 +5629,7 @@
           <a:p>
             <a:fld id="{C9CAE4C5-0618-4BFD-B551-9F05008A9C77}" type="datetime1">
               <a:rPr lang="en-IN" smtClean="0"/>
-              <a:t>16-06-2022</a:t>
+              <a:t>01-07-2022</a:t>
             </a:fld>
             <a:endParaRPr lang="en-IN"/>
           </a:p>
@@ -5743,7 +5829,7 @@
           <a:p>
             <a:fld id="{1D1C4D49-6386-40B6-9C46-0D511516BE6F}" type="datetime1">
               <a:rPr lang="en-IN" smtClean="0"/>
-              <a:t>16-06-2022</a:t>
+              <a:t>01-07-2022</a:t>
             </a:fld>
             <a:endParaRPr lang="en-IN"/>
           </a:p>
@@ -6019,7 +6105,7 @@
           <a:p>
             <a:fld id="{879CC42B-CF3C-424F-A3CA-8B65592ABC5E}" type="datetime1">
               <a:rPr lang="en-IN" smtClean="0"/>
-              <a:t>16-06-2022</a:t>
+              <a:t>01-07-2022</a:t>
             </a:fld>
             <a:endParaRPr lang="en-IN"/>
           </a:p>
@@ -6287,7 +6373,7 @@
           <a:p>
             <a:fld id="{3EFA1820-7391-4155-A52D-DEF34CF059E2}" type="datetime1">
               <a:rPr lang="en-IN" smtClean="0"/>
-              <a:t>16-06-2022</a:t>
+              <a:t>01-07-2022</a:t>
             </a:fld>
             <a:endParaRPr lang="en-IN"/>
           </a:p>
@@ -6702,7 +6788,7 @@
           <a:p>
             <a:fld id="{D6DC3217-D9AB-4B58-977E-2D29B7D42DF1}" type="datetime1">
               <a:rPr lang="en-IN" smtClean="0"/>
-              <a:t>16-06-2022</a:t>
+              <a:t>01-07-2022</a:t>
             </a:fld>
             <a:endParaRPr lang="en-IN"/>
           </a:p>
@@ -6844,7 +6930,7 @@
           <a:p>
             <a:fld id="{D676A0B6-A842-4350-AA93-86E9D1CD06AE}" type="datetime1">
               <a:rPr lang="en-IN" smtClean="0"/>
-              <a:t>16-06-2022</a:t>
+              <a:t>01-07-2022</a:t>
             </a:fld>
             <a:endParaRPr lang="en-IN"/>
           </a:p>
@@ -6957,7 +7043,7 @@
           <a:p>
             <a:fld id="{C9D90866-E7D1-4A50-AB51-B431817B30B0}" type="datetime1">
               <a:rPr lang="en-IN" smtClean="0"/>
-              <a:t>16-06-2022</a:t>
+              <a:t>01-07-2022</a:t>
             </a:fld>
             <a:endParaRPr lang="en-IN"/>
           </a:p>
@@ -7270,7 +7356,7 @@
           <a:p>
             <a:fld id="{BD76E006-7CC0-4909-8103-AE27205D6982}" type="datetime1">
               <a:rPr lang="en-IN" smtClean="0"/>
-              <a:t>16-06-2022</a:t>
+              <a:t>01-07-2022</a:t>
             </a:fld>
             <a:endParaRPr lang="en-IN"/>
           </a:p>
@@ -7559,7 +7645,7 @@
           <a:p>
             <a:fld id="{1FAA2425-79BE-42EB-A2DE-130635A3A265}" type="datetime1">
               <a:rPr lang="en-IN" smtClean="0"/>
-              <a:t>16-06-2022</a:t>
+              <a:t>01-07-2022</a:t>
             </a:fld>
             <a:endParaRPr lang="en-IN"/>
           </a:p>
@@ -7802,7 +7888,7 @@
           <a:p>
             <a:fld id="{E7BA3503-F891-4768-ACEA-C782C56E8031}" type="datetime1">
               <a:rPr lang="en-IN" smtClean="0"/>
-              <a:t>16-06-2022</a:t>
+              <a:t>01-07-2022</a:t>
             </a:fld>
             <a:endParaRPr lang="en-IN"/>
           </a:p>
@@ -11329,6 +11415,148 @@
           </a:p>
         </p:txBody>
       </p:sp>
+    </p:spTree>
+    <p:extLst>
+      <p:ext uri="{BB962C8B-B14F-4D97-AF65-F5344CB8AC3E}">
+        <p14:creationId xmlns:p14="http://schemas.microsoft.com/office/powerpoint/2010/main" val="1028782381"/>
+      </p:ext>
+    </p:extLst>
+  </p:cSld>
+  <p:clrMapOvr>
+    <a:masterClrMapping/>
+  </p:clrMapOvr>
+</p:sld>
+</file>
+
+<file path=ppt/slides/slide16.xml><?xml version="1.0" encoding="utf-8"?>
+<p:sld xmlns:a="http://schemas.openxmlformats.org/drawingml/2006/main" xmlns:r="http://schemas.openxmlformats.org/officeDocument/2006/relationships" xmlns:p="http://schemas.openxmlformats.org/presentationml/2006/main">
+  <p:cSld>
+    <p:spTree>
+      <p:nvGrpSpPr>
+        <p:cNvPr id="1" name=""/>
+        <p:cNvGrpSpPr/>
+        <p:nvPr/>
+      </p:nvGrpSpPr>
+      <p:grpSpPr>
+        <a:xfrm>
+          <a:off x="0" y="0"/>
+          <a:ext cx="0" cy="0"/>
+          <a:chOff x="0" y="0"/>
+          <a:chExt cx="0" cy="0"/>
+        </a:xfrm>
+      </p:grpSpPr>
+      <p:sp>
+        <p:nvSpPr>
+          <p:cNvPr id="2" name="Title 1">
+            <a:extLst>
+              <a:ext uri="{FF2B5EF4-FFF2-40B4-BE49-F238E27FC236}">
+                <a16:creationId xmlns:a16="http://schemas.microsoft.com/office/drawing/2014/main" id="{31FB2BF9-1327-4E1C-B4E4-6A726799F711}"/>
+              </a:ext>
+            </a:extLst>
+          </p:cNvPr>
+          <p:cNvSpPr>
+            <a:spLocks noGrp="1"/>
+          </p:cNvSpPr>
+          <p:nvPr>
+            <p:ph type="title"/>
+          </p:nvPr>
+        </p:nvSpPr>
+        <p:spPr/>
+        <p:txBody>
+          <a:bodyPr/>
+          <a:lstStyle/>
+          <a:p>
+            <a:r>
+              <a:rPr lang="en-IN" dirty="0"/>
+              <a:t>Modules- 3.</a:t>
+            </a:r>
+            <a:r>
+              <a:rPr lang="en-US" dirty="0"/>
+              <a:t> Feature Extraction</a:t>
+            </a:r>
+            <a:endParaRPr lang="en-IN" dirty="0"/>
+          </a:p>
+        </p:txBody>
+      </p:sp>
+      <p:sp>
+        <p:nvSpPr>
+          <p:cNvPr id="3" name="Content Placeholder 2">
+            <a:extLst>
+              <a:ext uri="{FF2B5EF4-FFF2-40B4-BE49-F238E27FC236}">
+                <a16:creationId xmlns:a16="http://schemas.microsoft.com/office/drawing/2014/main" id="{B614DC66-8480-45D0-BA33-BFBF32FE0035}"/>
+              </a:ext>
+            </a:extLst>
+          </p:cNvPr>
+          <p:cNvSpPr>
+            <a:spLocks noGrp="1"/>
+          </p:cNvSpPr>
+          <p:nvPr>
+            <p:ph idx="1"/>
+          </p:nvPr>
+        </p:nvSpPr>
+        <p:spPr/>
+        <p:txBody>
+          <a:bodyPr/>
+          <a:lstStyle/>
+          <a:p>
+            <a:r>
+              <a:rPr lang="en-US" dirty="0"/>
+              <a:t>8 Derived features are - </a:t>
+            </a:r>
+          </a:p>
+          <a:p>
+            <a:pPr marL="0" indent="0">
+              <a:buNone/>
+            </a:pPr>
+            <a:r>
+              <a:rPr lang="en-IN" sz="1800" dirty="0">
+                <a:solidFill>
+                  <a:srgbClr val="000000"/>
+                </a:solidFill>
+              </a:rPr>
+              <a:t>		</a:t>
+            </a:r>
+            <a:endParaRPr lang="en-IN" sz="1800" i="0" dirty="0">
+              <a:solidFill>
+                <a:srgbClr val="24292F"/>
+              </a:solidFill>
+              <a:effectLst/>
+            </a:endParaRPr>
+          </a:p>
+          <a:p>
+            <a:endParaRPr lang="en-US" sz="1800" dirty="0"/>
+          </a:p>
+        </p:txBody>
+      </p:sp>
+      <p:sp>
+        <p:nvSpPr>
+          <p:cNvPr id="4" name="Slide Number Placeholder 3">
+            <a:extLst>
+              <a:ext uri="{FF2B5EF4-FFF2-40B4-BE49-F238E27FC236}">
+                <a16:creationId xmlns:a16="http://schemas.microsoft.com/office/drawing/2014/main" id="{B2FED5F2-61AD-49D7-A78D-6466261F7D23}"/>
+              </a:ext>
+            </a:extLst>
+          </p:cNvPr>
+          <p:cNvSpPr>
+            <a:spLocks noGrp="1"/>
+          </p:cNvSpPr>
+          <p:nvPr>
+            <p:ph type="sldNum" sz="quarter" idx="12"/>
+          </p:nvPr>
+        </p:nvSpPr>
+        <p:spPr/>
+        <p:txBody>
+          <a:bodyPr/>
+          <a:lstStyle/>
+          <a:p>
+            <a:fld id="{89901C2D-82A2-4EF3-9AE4-31F78FDAF399}" type="slidenum">
+              <a:rPr lang="en-IN" smtClean="0"/>
+              <a:t>16</a:t>
+            </a:fld>
+            <a:endParaRPr lang="en-IN"/>
+          </a:p>
+        </p:txBody>
+      </p:sp>
       <p:sp>
         <p:nvSpPr>
           <p:cNvPr id="5" name="Rectangle 4">
@@ -11371,14 +11599,14 @@
             <a:pPr algn="ctr"/>
             <a:r>
               <a:rPr lang="en-IN" dirty="0"/>
-              <a:t>INPUT</a:t>
+              <a:t>8 Derived </a:t>
             </a:r>
           </a:p>
           <a:p>
             <a:pPr algn="ctr"/>
             <a:r>
               <a:rPr lang="en-IN" dirty="0"/>
-              <a:t>Processed Frames</a:t>
+              <a:t>features</a:t>
             </a:r>
           </a:p>
         </p:txBody>
@@ -11425,21 +11653,7 @@
             <a:pPr algn="ctr"/>
             <a:r>
               <a:rPr lang="en-IN" dirty="0"/>
-              <a:t>OUTPUT</a:t>
-            </a:r>
-          </a:p>
-          <a:p>
-            <a:pPr algn="ctr"/>
-            <a:r>
-              <a:rPr lang="en-IN" dirty="0"/>
-              <a:t>GDI </a:t>
-            </a:r>
-          </a:p>
-          <a:p>
-            <a:pPr algn="ctr"/>
-            <a:r>
-              <a:rPr lang="en-IN" dirty="0"/>
-              <a:t>Score</a:t>
+              <a:t>PD/Not PD</a:t>
             </a:r>
           </a:p>
         </p:txBody>
@@ -11515,263 +11729,24 @@
           <a:lstStyle/>
           <a:p>
             <a:r>
-              <a:rPr lang="en-US" sz="1000" b="0" dirty="0">
-                <a:effectLst/>
+              <a:rPr lang="en-US" sz="1000" dirty="0">
                 <a:latin typeface="jetbrains mono" panose="02000009000000000000" pitchFamily="49" charset="0"/>
               </a:rPr>
-              <a:t>GDI Model</a:t>
-            </a:r>
-          </a:p>
-        </p:txBody>
-      </p:sp>
-    </p:spTree>
-    <p:extLst>
-      <p:ext uri="{BB962C8B-B14F-4D97-AF65-F5344CB8AC3E}">
-        <p14:creationId xmlns:p14="http://schemas.microsoft.com/office/powerpoint/2010/main" val="1028782381"/>
-      </p:ext>
-    </p:extLst>
-  </p:cSld>
-  <p:clrMapOvr>
-    <a:masterClrMapping/>
-  </p:clrMapOvr>
-</p:sld>
-</file>
-
-<file path=ppt/slides/slide16.xml><?xml version="1.0" encoding="utf-8"?>
-<p:sld xmlns:a="http://schemas.openxmlformats.org/drawingml/2006/main" xmlns:r="http://schemas.openxmlformats.org/officeDocument/2006/relationships" xmlns:p="http://schemas.openxmlformats.org/presentationml/2006/main">
-  <p:cSld>
-    <p:spTree>
-      <p:nvGrpSpPr>
-        <p:cNvPr id="1" name=""/>
-        <p:cNvGrpSpPr/>
-        <p:nvPr/>
-      </p:nvGrpSpPr>
-      <p:grpSpPr>
-        <a:xfrm>
-          <a:off x="0" y="0"/>
-          <a:ext cx="0" cy="0"/>
-          <a:chOff x="0" y="0"/>
-          <a:chExt cx="0" cy="0"/>
-        </a:xfrm>
-      </p:grpSpPr>
-      <p:sp>
-        <p:nvSpPr>
-          <p:cNvPr id="2" name="Title 1">
-            <a:extLst>
-              <a:ext uri="{FF2B5EF4-FFF2-40B4-BE49-F238E27FC236}">
-                <a16:creationId xmlns:a16="http://schemas.microsoft.com/office/drawing/2014/main" id="{39076CDE-F3BC-9B32-E094-A0AE44C6670D}"/>
-              </a:ext>
-            </a:extLst>
-          </p:cNvPr>
-          <p:cNvSpPr>
-            <a:spLocks noGrp="1"/>
-          </p:cNvSpPr>
-          <p:nvPr>
-            <p:ph type="title"/>
-          </p:nvPr>
-        </p:nvSpPr>
-        <p:spPr/>
-        <p:txBody>
-          <a:bodyPr/>
-          <a:lstStyle/>
-          <a:p>
-            <a:r>
-              <a:rPr lang="en-IN" dirty="0"/>
-              <a:t>Methods </a:t>
-            </a:r>
-            <a:r>
-              <a:rPr lang="en-IN" sz="700" dirty="0"/>
-              <a:t>(</a:t>
-            </a:r>
-            <a:r>
-              <a:rPr lang="en-US" sz="700" dirty="0"/>
-              <a:t>Model Training Code : </a:t>
-            </a:r>
-            <a:r>
-              <a:rPr lang="en-US" sz="700" dirty="0">
-                <a:hlinkClick r:id="rId2"/>
-              </a:rPr>
-              <a:t>Kaggle</a:t>
-            </a:r>
-            <a:r>
-              <a:rPr lang="en-IN" sz="700" dirty="0"/>
-              <a:t>)</a:t>
-            </a:r>
-            <a:endParaRPr lang="en-IN" dirty="0"/>
+              <a:t>Model</a:t>
+            </a:r>
+            <a:endParaRPr lang="en-US" sz="1000" b="0" dirty="0">
+              <a:effectLst/>
+              <a:latin typeface="jetbrains mono" panose="02000009000000000000" pitchFamily="49" charset="0"/>
+            </a:endParaRPr>
           </a:p>
         </p:txBody>
       </p:sp>
       <p:sp>
         <p:nvSpPr>
-          <p:cNvPr id="3" name="Content Placeholder 2">
-            <a:extLst>
-              <a:ext uri="{FF2B5EF4-FFF2-40B4-BE49-F238E27FC236}">
-                <a16:creationId xmlns:a16="http://schemas.microsoft.com/office/drawing/2014/main" id="{8AA1467D-9D48-AEAA-B598-51EF4AFB3E93}"/>
-              </a:ext>
-            </a:extLst>
-          </p:cNvPr>
-          <p:cNvSpPr>
-            <a:spLocks noGrp="1"/>
-          </p:cNvSpPr>
-          <p:nvPr>
-            <p:ph idx="1"/>
-          </p:nvPr>
-        </p:nvSpPr>
-        <p:spPr/>
-        <p:txBody>
-          <a:bodyPr>
-            <a:normAutofit/>
-          </a:bodyPr>
-          <a:lstStyle/>
-          <a:p>
-            <a:r>
-              <a:rPr lang="en-US" sz="1400" dirty="0"/>
-              <a:t>The first time series model is the difference between the x-coordinates (horizontal image-plane coordinates) of the left and right ankles throughout time, which approximated the 3D distance between ankle centers.</a:t>
-            </a:r>
-          </a:p>
-          <a:p>
-            <a:r>
-              <a:rPr lang="en-US" sz="1400" dirty="0"/>
-              <a:t>The second time series model is the image-plane angle formed by the ankle, knee, and hip keypoints. computed the angle between the vector from the knee to the hip and the vector from the knee to the ankle</a:t>
-            </a:r>
-          </a:p>
-          <a:p>
-            <a:r>
-              <a:rPr lang="en-US" sz="1400" dirty="0"/>
-              <a:t>Preprocessed these time series to create features for supervised machine learning models and trained CNN models to predict gait parameters and clinical decisions, and evaluated model performance on a held-out test set.</a:t>
-            </a:r>
-          </a:p>
-          <a:p>
-            <a:r>
-              <a:rPr lang="en-US" sz="1400" dirty="0"/>
-              <a:t>GDI is derived from 3D joint angles, correlations between joint angles enabled us to predict GDI with high accuracy from 2D video.</a:t>
-            </a:r>
-          </a:p>
-          <a:p>
-            <a:r>
-              <a:rPr lang="en-US" sz="1400" dirty="0"/>
-              <a:t>GDI were correlated with the patient’s mean foot progression angle and mean hip adduction during gait as measured by optical motion capture.</a:t>
-            </a:r>
-          </a:p>
-        </p:txBody>
-      </p:sp>
-      <p:sp>
-        <p:nvSpPr>
-          <p:cNvPr id="4" name="Slide Number Placeholder 3">
-            <a:extLst>
-              <a:ext uri="{FF2B5EF4-FFF2-40B4-BE49-F238E27FC236}">
-                <a16:creationId xmlns:a16="http://schemas.microsoft.com/office/drawing/2014/main" id="{969E2482-E579-BFE2-635A-42E1929FC18B}"/>
-              </a:ext>
-            </a:extLst>
-          </p:cNvPr>
-          <p:cNvSpPr>
-            <a:spLocks noGrp="1"/>
-          </p:cNvSpPr>
-          <p:nvPr>
-            <p:ph type="sldNum" sz="quarter" idx="12"/>
-          </p:nvPr>
-        </p:nvSpPr>
-        <p:spPr/>
-        <p:txBody>
-          <a:bodyPr/>
-          <a:lstStyle/>
-          <a:p>
-            <a:fld id="{89901C2D-82A2-4EF3-9AE4-31F78FDAF399}" type="slidenum">
-              <a:rPr lang="en-IN" smtClean="0"/>
-              <a:t>16</a:t>
-            </a:fld>
-            <a:endParaRPr lang="en-IN"/>
-          </a:p>
-        </p:txBody>
-      </p:sp>
-      <p:pic>
-        <p:nvPicPr>
-          <p:cNvPr id="6" name="Picture 5">
-            <a:extLst>
-              <a:ext uri="{FF2B5EF4-FFF2-40B4-BE49-F238E27FC236}">
-                <a16:creationId xmlns:a16="http://schemas.microsoft.com/office/drawing/2014/main" id="{94D5A3B3-49BF-CD14-1350-495F8D6C6313}"/>
-              </a:ext>
-            </a:extLst>
-          </p:cNvPr>
-          <p:cNvPicPr>
-            <a:picLocks noChangeAspect="1"/>
-          </p:cNvPicPr>
-          <p:nvPr/>
-        </p:nvPicPr>
-        <p:blipFill>
-          <a:blip r:embed="rId3"/>
-          <a:stretch>
-            <a:fillRect/>
-          </a:stretch>
-        </p:blipFill>
-        <p:spPr>
-          <a:xfrm>
-            <a:off x="8130746" y="4251796"/>
-            <a:ext cx="2281882" cy="2163549"/>
-          </a:xfrm>
-          <a:prstGeom prst="rect">
-            <a:avLst/>
-          </a:prstGeom>
-        </p:spPr>
-      </p:pic>
-      <p:sp>
-        <p:nvSpPr>
-          <p:cNvPr id="7" name="Rectangle 6">
-            <a:extLst>
-              <a:ext uri="{FF2B5EF4-FFF2-40B4-BE49-F238E27FC236}">
-                <a16:creationId xmlns:a16="http://schemas.microsoft.com/office/drawing/2014/main" id="{FD00D1D6-1932-5ED8-C9BA-0604887C57AF}"/>
-              </a:ext>
-            </a:extLst>
-          </p:cNvPr>
-          <p:cNvSpPr/>
-          <p:nvPr/>
-        </p:nvSpPr>
-        <p:spPr>
-          <a:xfrm>
-            <a:off x="8130746" y="4251796"/>
-            <a:ext cx="238897" cy="225553"/>
-          </a:xfrm>
-          <a:prstGeom prst="rect">
-            <a:avLst/>
-          </a:prstGeom>
-          <a:solidFill>
-            <a:schemeClr val="bg1"/>
-          </a:solidFill>
-          <a:ln>
-            <a:noFill/>
-          </a:ln>
-        </p:spPr>
-        <p:style>
-          <a:lnRef idx="2">
-            <a:schemeClr val="accent1">
-              <a:shade val="50000"/>
-            </a:schemeClr>
-          </a:lnRef>
-          <a:fillRef idx="1">
-            <a:schemeClr val="accent1"/>
-          </a:fillRef>
-          <a:effectRef idx="0">
-            <a:schemeClr val="accent1"/>
-          </a:effectRef>
-          <a:fontRef idx="minor">
-            <a:schemeClr val="lt1"/>
-          </a:fontRef>
-        </p:style>
-        <p:txBody>
-          <a:bodyPr rtlCol="0" anchor="ctr"/>
-          <a:lstStyle/>
-          <a:p>
-            <a:pPr algn="ctr"/>
-            <a:endParaRPr lang="en-IN"/>
-          </a:p>
-        </p:txBody>
-      </p:sp>
-      <p:sp>
-        <p:nvSpPr>
-          <p:cNvPr id="9" name="TextBox 8">
-            <a:extLst>
-              <a:ext uri="{FF2B5EF4-FFF2-40B4-BE49-F238E27FC236}">
-                <a16:creationId xmlns:a16="http://schemas.microsoft.com/office/drawing/2014/main" id="{2BA93D4A-7CB0-72A7-A7A1-C9A14504202B}"/>
+          <p:cNvPr id="12" name="TextBox 11">
+            <a:extLst>
+              <a:ext uri="{FF2B5EF4-FFF2-40B4-BE49-F238E27FC236}">
+                <a16:creationId xmlns:a16="http://schemas.microsoft.com/office/drawing/2014/main" id="{4EAE60B2-1697-4F38-8BA0-D0436278BD58}"/>
               </a:ext>
             </a:extLst>
           </p:cNvPr>
@@ -11780,8 +11755,8 @@
         </p:nvSpPr>
         <p:spPr>
           <a:xfrm>
-            <a:off x="8369643" y="6399132"/>
-            <a:ext cx="2178908" cy="169277"/>
+            <a:off x="4627345" y="1646238"/>
+            <a:ext cx="6097604" cy="1477328"/>
           </a:xfrm>
           <a:prstGeom prst="rect">
             <a:avLst/>
@@ -11795,221 +11770,212 @@
           <a:lstStyle/>
           <a:p>
             <a:r>
-              <a:rPr lang="en-US" sz="500" dirty="0"/>
-              <a:t>straight blue line corresponds to the best linear fit to predicted vs. True data</a:t>
-            </a:r>
-            <a:endParaRPr lang="en-IN" sz="500" dirty="0"/>
+              <a:rPr lang="en-IN" b="0" dirty="0">
+                <a:solidFill>
+                  <a:srgbClr val="000000"/>
+                </a:solidFill>
+                <a:effectLst/>
+                <a:latin typeface="Consolas" panose="020B0609020204030204" pitchFamily="49" charset="0"/>
+              </a:rPr>
+              <a:t>[</a:t>
+            </a:r>
+            <a:r>
+              <a:rPr lang="en-IN" b="0" dirty="0">
+                <a:solidFill>
+                  <a:srgbClr val="A31515"/>
+                </a:solidFill>
+                <a:effectLst/>
+                <a:latin typeface="Consolas" panose="020B0609020204030204" pitchFamily="49" charset="0"/>
+              </a:rPr>
+              <a:t>'ankle_knee_hip_leftangle_mean'</a:t>
+            </a:r>
+            <a:r>
+              <a:rPr lang="en-IN" b="0" dirty="0">
+                <a:solidFill>
+                  <a:srgbClr val="000000"/>
+                </a:solidFill>
+                <a:effectLst/>
+                <a:latin typeface="Consolas" panose="020B0609020204030204" pitchFamily="49" charset="0"/>
+              </a:rPr>
+              <a:t>,</a:t>
+            </a:r>
+            <a:r>
+              <a:rPr lang="en-IN" b="0" dirty="0">
+                <a:solidFill>
+                  <a:srgbClr val="A31515"/>
+                </a:solidFill>
+                <a:effectLst/>
+                <a:latin typeface="Consolas" panose="020B0609020204030204" pitchFamily="49" charset="0"/>
+              </a:rPr>
+              <a:t>'ankle_knee_hip_rightangle_mean'</a:t>
+            </a:r>
+            <a:r>
+              <a:rPr lang="en-IN" b="0" dirty="0">
+                <a:solidFill>
+                  <a:srgbClr val="000000"/>
+                </a:solidFill>
+                <a:effectLst/>
+                <a:latin typeface="Consolas" panose="020B0609020204030204" pitchFamily="49" charset="0"/>
+              </a:rPr>
+              <a:t>,</a:t>
+            </a:r>
+            <a:r>
+              <a:rPr lang="en-IN" b="0" dirty="0">
+                <a:solidFill>
+                  <a:srgbClr val="A31515"/>
+                </a:solidFill>
+                <a:effectLst/>
+                <a:latin typeface="Consolas" panose="020B0609020204030204" pitchFamily="49" charset="0"/>
+              </a:rPr>
+              <a:t>'toe_ankle_knee_leftangle_mean'</a:t>
+            </a:r>
+            <a:r>
+              <a:rPr lang="en-IN" b="0" dirty="0">
+                <a:solidFill>
+                  <a:srgbClr val="000000"/>
+                </a:solidFill>
+                <a:effectLst/>
+                <a:latin typeface="Consolas" panose="020B0609020204030204" pitchFamily="49" charset="0"/>
+              </a:rPr>
+              <a:t>,</a:t>
+            </a:r>
+            <a:r>
+              <a:rPr lang="en-IN" b="0" dirty="0">
+                <a:solidFill>
+                  <a:srgbClr val="A31515"/>
+                </a:solidFill>
+                <a:effectLst/>
+                <a:latin typeface="Consolas" panose="020B0609020204030204" pitchFamily="49" charset="0"/>
+              </a:rPr>
+              <a:t>'toe_ankle_knee_rightangle_mean'</a:t>
+            </a:r>
+            <a:r>
+              <a:rPr lang="en-IN" b="0" dirty="0">
+                <a:solidFill>
+                  <a:srgbClr val="000000"/>
+                </a:solidFill>
+                <a:effectLst/>
+                <a:latin typeface="Consolas" panose="020B0609020204030204" pitchFamily="49" charset="0"/>
+              </a:rPr>
+              <a:t>,</a:t>
+            </a:r>
+            <a:r>
+              <a:rPr lang="en-IN" b="0" dirty="0">
+                <a:solidFill>
+                  <a:srgbClr val="A31515"/>
+                </a:solidFill>
+                <a:effectLst/>
+                <a:latin typeface="Consolas" panose="020B0609020204030204" pitchFamily="49" charset="0"/>
+              </a:rPr>
+              <a:t>'toe_ankle_dist_left_mean'</a:t>
+            </a:r>
+            <a:r>
+              <a:rPr lang="en-IN" b="0" dirty="0">
+                <a:solidFill>
+                  <a:srgbClr val="000000"/>
+                </a:solidFill>
+                <a:effectLst/>
+                <a:latin typeface="Consolas" panose="020B0609020204030204" pitchFamily="49" charset="0"/>
+              </a:rPr>
+              <a:t>,</a:t>
+            </a:r>
+            <a:r>
+              <a:rPr lang="en-IN" b="0" dirty="0">
+                <a:solidFill>
+                  <a:srgbClr val="A31515"/>
+                </a:solidFill>
+                <a:effectLst/>
+                <a:latin typeface="Consolas" panose="020B0609020204030204" pitchFamily="49" charset="0"/>
+              </a:rPr>
+              <a:t>'toe_ankle_dist_right_mean'</a:t>
+            </a:r>
+            <a:r>
+              <a:rPr lang="en-IN" b="0" dirty="0">
+                <a:solidFill>
+                  <a:srgbClr val="000000"/>
+                </a:solidFill>
+                <a:effectLst/>
+                <a:latin typeface="Consolas" panose="020B0609020204030204" pitchFamily="49" charset="0"/>
+              </a:rPr>
+              <a:t>,</a:t>
+            </a:r>
+            <a:r>
+              <a:rPr lang="en-IN" b="0" dirty="0">
+                <a:solidFill>
+                  <a:srgbClr val="A31515"/>
+                </a:solidFill>
+                <a:effectLst/>
+                <a:latin typeface="Consolas" panose="020B0609020204030204" pitchFamily="49" charset="0"/>
+              </a:rPr>
+              <a:t>'lank_rank_xdist_mean'</a:t>
+            </a:r>
+            <a:r>
+              <a:rPr lang="en-IN" b="0" dirty="0">
+                <a:solidFill>
+                  <a:srgbClr val="000000"/>
+                </a:solidFill>
+                <a:effectLst/>
+                <a:latin typeface="Consolas" panose="020B0609020204030204" pitchFamily="49" charset="0"/>
+              </a:rPr>
+              <a:t>,</a:t>
+            </a:r>
+            <a:r>
+              <a:rPr lang="en-IN" b="0" dirty="0">
+                <a:solidFill>
+                  <a:srgbClr val="A31515"/>
+                </a:solidFill>
+                <a:effectLst/>
+                <a:latin typeface="Consolas" panose="020B0609020204030204" pitchFamily="49" charset="0"/>
+              </a:rPr>
+              <a:t>'rank_lank_xdist_mean'</a:t>
+            </a:r>
+            <a:r>
+              <a:rPr lang="en-IN" b="0" dirty="0">
+                <a:solidFill>
+                  <a:srgbClr val="000000"/>
+                </a:solidFill>
+                <a:effectLst/>
+                <a:latin typeface="Consolas" panose="020B0609020204030204" pitchFamily="49" charset="0"/>
+              </a:rPr>
+              <a:t> ]</a:t>
+            </a:r>
           </a:p>
         </p:txBody>
       </p:sp>
-      <p:graphicFrame>
-        <p:nvGraphicFramePr>
-          <p:cNvPr id="10" name="Table 10">
-            <a:extLst>
-              <a:ext uri="{FF2B5EF4-FFF2-40B4-BE49-F238E27FC236}">
-                <a16:creationId xmlns:a16="http://schemas.microsoft.com/office/drawing/2014/main" id="{1E1F9513-597D-F7A0-9534-49A021687591}"/>
-              </a:ext>
-            </a:extLst>
-          </p:cNvPr>
-          <p:cNvGraphicFramePr>
-            <a:graphicFrameLocks noGrp="1"/>
-          </p:cNvGraphicFramePr>
-          <p:nvPr>
-            <p:extLst>
-              <p:ext uri="{D42A27DB-BD31-4B8C-83A1-F6EECF244321}">
-                <p14:modId xmlns:p14="http://schemas.microsoft.com/office/powerpoint/2010/main" val="3107256682"/>
-              </p:ext>
-            </p:extLst>
-          </p:nvPr>
-        </p:nvGraphicFramePr>
-        <p:xfrm>
-          <a:off x="865623" y="4251796"/>
-          <a:ext cx="7129200" cy="1554480"/>
-        </p:xfrm>
-        <a:graphic>
-          <a:graphicData uri="http://schemas.openxmlformats.org/drawingml/2006/table">
-            <a:tbl>
-              <a:tblPr firstRow="1" bandRow="1">
-                <a:tableStyleId>{073A0DAA-6AF3-43AB-8588-CEC1D06C72B9}</a:tableStyleId>
-              </a:tblPr>
-              <a:tblGrid>
-                <a:gridCol w="2034096">
-                  <a:extLst>
-                    <a:ext uri="{9D8B030D-6E8A-4147-A177-3AD203B41FA5}">
-                      <a16:colId xmlns:a16="http://schemas.microsoft.com/office/drawing/2014/main" val="141842046"/>
-                    </a:ext>
-                  </a:extLst>
-                </a:gridCol>
-                <a:gridCol w="1530504">
-                  <a:extLst>
-                    <a:ext uri="{9D8B030D-6E8A-4147-A177-3AD203B41FA5}">
-                      <a16:colId xmlns:a16="http://schemas.microsoft.com/office/drawing/2014/main" val="3651167284"/>
-                    </a:ext>
-                  </a:extLst>
-                </a:gridCol>
-                <a:gridCol w="1782300">
-                  <a:extLst>
-                    <a:ext uri="{9D8B030D-6E8A-4147-A177-3AD203B41FA5}">
-                      <a16:colId xmlns:a16="http://schemas.microsoft.com/office/drawing/2014/main" val="2856229145"/>
-                    </a:ext>
-                  </a:extLst>
-                </a:gridCol>
-                <a:gridCol w="1782300">
-                  <a:extLst>
-                    <a:ext uri="{9D8B030D-6E8A-4147-A177-3AD203B41FA5}">
-                      <a16:colId xmlns:a16="http://schemas.microsoft.com/office/drawing/2014/main" val="1658923703"/>
-                    </a:ext>
-                  </a:extLst>
-                </a:gridCol>
-              </a:tblGrid>
-              <a:tr h="380655">
-                <a:tc>
-                  <a:txBody>
-                    <a:bodyPr/>
-                    <a:lstStyle/>
-                    <a:p>
-                      <a:endParaRPr lang="en-IN" dirty="0"/>
-                    </a:p>
-                  </a:txBody>
-                  <a:tcPr/>
-                </a:tc>
-                <a:tc>
-                  <a:txBody>
-                    <a:bodyPr/>
-                    <a:lstStyle/>
-                    <a:p>
-                      <a:r>
-                        <a:rPr lang="en-US" dirty="0"/>
-                        <a:t>True vs. predicted correlation</a:t>
-                      </a:r>
-                      <a:endParaRPr lang="en-IN" dirty="0"/>
-                    </a:p>
-                  </a:txBody>
-                  <a:tcPr/>
-                </a:tc>
-                <a:tc>
-                  <a:txBody>
-                    <a:bodyPr/>
-                    <a:lstStyle/>
-                    <a:p>
-                      <a:r>
-                        <a:rPr lang="en-US" dirty="0"/>
-                        <a:t>Mean bias</a:t>
-                      </a:r>
-                    </a:p>
-                    <a:p>
-                      <a:r>
-                        <a:rPr lang="en-US" dirty="0"/>
-                        <a:t>error</a:t>
-                      </a:r>
-                      <a:endParaRPr lang="en-IN" dirty="0"/>
-                    </a:p>
-                  </a:txBody>
-                  <a:tcPr/>
-                </a:tc>
-                <a:tc>
-                  <a:txBody>
-                    <a:bodyPr/>
-                    <a:lstStyle/>
-                    <a:p>
-                      <a:r>
-                        <a:rPr lang="en-IN" dirty="0"/>
-                        <a:t>Mean absolute error</a:t>
-                      </a:r>
-                    </a:p>
-                  </a:txBody>
-                  <a:tcPr/>
-                </a:tc>
-                <a:extLst>
-                  <a:ext uri="{0D108BD9-81ED-4DB2-BD59-A6C34878D82A}">
-                    <a16:rowId xmlns:a16="http://schemas.microsoft.com/office/drawing/2014/main" val="2981111472"/>
-                  </a:ext>
-                </a:extLst>
-              </a:tr>
-              <a:tr h="378077">
-                <a:tc>
-                  <a:txBody>
-                    <a:bodyPr/>
-                    <a:lstStyle/>
-                    <a:p>
-                      <a:pPr marL="0" marR="0" lvl="0" indent="0" algn="l" defTabSz="914400" rtl="0" eaLnBrk="1" fontAlgn="auto" latinLnBrk="0" hangingPunct="1">
-                        <a:lnSpc>
-                          <a:spcPct val="100000"/>
-                        </a:lnSpc>
-                        <a:spcBef>
-                          <a:spcPts val="0"/>
-                        </a:spcBef>
-                        <a:spcAft>
-                          <a:spcPts val="0"/>
-                        </a:spcAft>
-                        <a:buClrTx/>
-                        <a:buSzTx/>
-                        <a:buFontTx/>
-                        <a:buNone/>
-                        <a:tabLst/>
-                        <a:defRPr/>
-                      </a:pPr>
-                      <a:r>
-                        <a:rPr lang="en-IN" dirty="0"/>
-                        <a:t>Gait Deviation Index</a:t>
-                      </a:r>
-                    </a:p>
-                  </a:txBody>
-                  <a:tcPr/>
-                </a:tc>
-                <a:tc>
-                  <a:txBody>
-                    <a:bodyPr/>
-                    <a:lstStyle/>
-                    <a:p>
-                      <a:r>
-                        <a:rPr lang="en-IN" dirty="0"/>
-                        <a:t>0.75 (0.68–0.81)</a:t>
-                      </a:r>
-                    </a:p>
-                  </a:txBody>
-                  <a:tcPr/>
-                </a:tc>
-                <a:tc>
-                  <a:txBody>
-                    <a:bodyPr/>
-                    <a:lstStyle/>
-                    <a:p>
-                      <a:r>
-                        <a:rPr lang="en-IN" dirty="0"/>
-                        <a:t>0.54 (−0.33–1.42; 0.22)</a:t>
-                      </a:r>
-                    </a:p>
-                  </a:txBody>
-                  <a:tcPr/>
-                </a:tc>
-                <a:tc>
-                  <a:txBody>
-                    <a:bodyPr/>
-                    <a:lstStyle/>
-                    <a:p>
-                      <a:r>
-                        <a:rPr lang="en-IN" dirty="0"/>
-                        <a:t>6.5</a:t>
-                      </a:r>
-                    </a:p>
-                  </a:txBody>
-                  <a:tcPr/>
-                </a:tc>
-                <a:extLst>
-                  <a:ext uri="{0D108BD9-81ED-4DB2-BD59-A6C34878D82A}">
-                    <a16:rowId xmlns:a16="http://schemas.microsoft.com/office/drawing/2014/main" val="1096978146"/>
-                  </a:ext>
-                </a:extLst>
-              </a:tr>
-            </a:tbl>
-          </a:graphicData>
-        </a:graphic>
-      </p:graphicFrame>
+      <p:pic>
+        <p:nvPicPr>
+          <p:cNvPr id="10" name="Picture 9">
+            <a:extLst>
+              <a:ext uri="{FF2B5EF4-FFF2-40B4-BE49-F238E27FC236}">
+                <a16:creationId xmlns:a16="http://schemas.microsoft.com/office/drawing/2014/main" id="{8EB61491-2DA5-4490-9A9A-0AE0D7262F57}"/>
+              </a:ext>
+            </a:extLst>
+          </p:cNvPr>
+          <p:cNvPicPr>
+            <a:picLocks noChangeAspect="1"/>
+          </p:cNvPicPr>
+          <p:nvPr/>
+        </p:nvPicPr>
+        <p:blipFill>
+          <a:blip r:embed="rId2"/>
+          <a:stretch>
+            <a:fillRect/>
+          </a:stretch>
+        </p:blipFill>
+        <p:spPr>
+          <a:xfrm>
+            <a:off x="1011266" y="3111336"/>
+            <a:ext cx="4992439" cy="2508663"/>
+          </a:xfrm>
+          <a:prstGeom prst="rect">
+            <a:avLst/>
+          </a:prstGeom>
+        </p:spPr>
+      </p:pic>
     </p:spTree>
     <p:extLst>
       <p:ext uri="{BB962C8B-B14F-4D97-AF65-F5344CB8AC3E}">
-        <p14:creationId xmlns:p14="http://schemas.microsoft.com/office/powerpoint/2010/main" val="301078525"/>
+        <p14:creationId xmlns:p14="http://schemas.microsoft.com/office/powerpoint/2010/main" val="399099111"/>
       </p:ext>
     </p:extLst>
   </p:cSld>
@@ -12063,12 +12029,41 @@
             </a:r>
             <a:r>
               <a:rPr lang="en-US" dirty="0"/>
-              <a:t> Feature Extraction- GDI</a:t>
+              <a:t> Feature Extraction</a:t>
             </a:r>
             <a:endParaRPr lang="en-IN" dirty="0"/>
           </a:p>
         </p:txBody>
       </p:sp>
+      <p:pic>
+        <p:nvPicPr>
+          <p:cNvPr id="9" name="Content Placeholder 8">
+            <a:extLst>
+              <a:ext uri="{FF2B5EF4-FFF2-40B4-BE49-F238E27FC236}">
+                <a16:creationId xmlns:a16="http://schemas.microsoft.com/office/drawing/2014/main" id="{E849CFB2-F958-4BFC-8DFE-ED302825D3B0}"/>
+              </a:ext>
+            </a:extLst>
+          </p:cNvPr>
+          <p:cNvPicPr>
+            <a:picLocks noGrp="1" noChangeAspect="1"/>
+          </p:cNvPicPr>
+          <p:nvPr>
+            <p:ph idx="1"/>
+          </p:nvPr>
+        </p:nvPicPr>
+        <p:blipFill>
+          <a:blip r:embed="rId2"/>
+          <a:stretch>
+            <a:fillRect/>
+          </a:stretch>
+        </p:blipFill>
+        <p:spPr>
+          <a:xfrm>
+            <a:off x="3036141" y="1690688"/>
+            <a:ext cx="6312224" cy="1409772"/>
+          </a:xfrm>
+        </p:spPr>
+      </p:pic>
       <p:sp>
         <p:nvSpPr>
           <p:cNvPr id="4" name="Slide Number Placeholder 3">
@@ -12100,40 +12095,10 @@
       </p:sp>
       <p:pic>
         <p:nvPicPr>
-          <p:cNvPr id="5" name="Picture 4">
-            <a:extLst>
-              <a:ext uri="{FF2B5EF4-FFF2-40B4-BE49-F238E27FC236}">
-                <a16:creationId xmlns:a16="http://schemas.microsoft.com/office/drawing/2014/main" id="{A9076DFA-5A9E-6D4D-8F11-AEF3BD965460}"/>
-              </a:ext>
-            </a:extLst>
-          </p:cNvPr>
-          <p:cNvPicPr>
-            <a:picLocks noChangeAspect="1"/>
-          </p:cNvPicPr>
-          <p:nvPr/>
-        </p:nvPicPr>
-        <p:blipFill>
-          <a:blip r:embed="rId2"/>
-          <a:stretch>
-            <a:fillRect/>
-          </a:stretch>
-        </p:blipFill>
-        <p:spPr>
-          <a:xfrm>
-            <a:off x="838200" y="1591834"/>
-            <a:ext cx="3898557" cy="2491905"/>
-          </a:xfrm>
-          <a:prstGeom prst="rect">
-            <a:avLst/>
-          </a:prstGeom>
-        </p:spPr>
-      </p:pic>
-      <p:pic>
-        <p:nvPicPr>
-          <p:cNvPr id="8" name="Picture 7">
-            <a:extLst>
-              <a:ext uri="{FF2B5EF4-FFF2-40B4-BE49-F238E27FC236}">
-                <a16:creationId xmlns:a16="http://schemas.microsoft.com/office/drawing/2014/main" id="{3ECF0FC3-3E62-69DC-6015-7D794B606A65}"/>
+          <p:cNvPr id="14" name="Picture 13">
+            <a:extLst>
+              <a:ext uri="{FF2B5EF4-FFF2-40B4-BE49-F238E27FC236}">
+                <a16:creationId xmlns:a16="http://schemas.microsoft.com/office/drawing/2014/main" id="{C6F5091D-C3C6-46DA-91FA-078EFD467C5E}"/>
               </a:ext>
             </a:extLst>
           </p:cNvPr>
@@ -12150,48 +12115,71 @@
         </p:blipFill>
         <p:spPr>
           <a:xfrm>
-            <a:off x="722697" y="4182593"/>
-            <a:ext cx="5480960" cy="2359858"/>
+            <a:off x="3204007" y="3611482"/>
+            <a:ext cx="5283472" cy="1555830"/>
           </a:xfrm>
           <a:prstGeom prst="rect">
             <a:avLst/>
           </a:prstGeom>
         </p:spPr>
       </p:pic>
-      <p:pic>
-        <p:nvPicPr>
-          <p:cNvPr id="6" name="Picture 5">
-            <a:extLst>
-              <a:ext uri="{FF2B5EF4-FFF2-40B4-BE49-F238E27FC236}">
-                <a16:creationId xmlns:a16="http://schemas.microsoft.com/office/drawing/2014/main" id="{FB93BC19-69D4-EB5F-E3A6-70F3E1CB8C95}"/>
-              </a:ext>
-            </a:extLst>
-          </p:cNvPr>
-          <p:cNvPicPr>
-            <a:picLocks noChangeAspect="1"/>
-          </p:cNvPicPr>
+      <p:sp>
+        <p:nvSpPr>
+          <p:cNvPr id="17" name="TextBox 16">
+            <a:extLst>
+              <a:ext uri="{FF2B5EF4-FFF2-40B4-BE49-F238E27FC236}">
+                <a16:creationId xmlns:a16="http://schemas.microsoft.com/office/drawing/2014/main" id="{DB7870EF-5F91-4625-8382-0F2987F0E967}"/>
+              </a:ext>
+            </a:extLst>
+          </p:cNvPr>
+          <p:cNvSpPr txBox="1"/>
           <p:nvPr/>
-        </p:nvPicPr>
-        <p:blipFill>
-          <a:blip r:embed="rId4"/>
-          <a:stretch>
-            <a:fillRect/>
-          </a:stretch>
-        </p:blipFill>
+        </p:nvSpPr>
         <p:spPr>
           <a:xfrm>
-            <a:off x="6646440" y="1517694"/>
-            <a:ext cx="4441689" cy="4017662"/>
+            <a:off x="3204007" y="5553058"/>
+            <a:ext cx="6097604" cy="646331"/>
           </a:xfrm>
           <a:prstGeom prst="rect">
             <a:avLst/>
           </a:prstGeom>
+          <a:noFill/>
         </p:spPr>
-      </p:pic>
+        <p:txBody>
+          <a:bodyPr wrap="square">
+            <a:spAutoFit/>
+          </a:bodyPr>
+          <a:lstStyle/>
+          <a:p>
+            <a:r>
+              <a:rPr lang="en-US" b="0" dirty="0">
+                <a:solidFill>
+                  <a:srgbClr val="000000"/>
+                </a:solidFill>
+                <a:effectLst/>
+                <a:latin typeface="Consolas" panose="020B0609020204030204" pitchFamily="49" charset="0"/>
+              </a:rPr>
+              <a:t>0 - No Risk</a:t>
+            </a:r>
+          </a:p>
+          <a:p>
+            <a:r>
+              <a:rPr lang="en-US" b="0" dirty="0">
+                <a:solidFill>
+                  <a:srgbClr val="000000"/>
+                </a:solidFill>
+                <a:effectLst/>
+                <a:latin typeface="Consolas" panose="020B0609020204030204" pitchFamily="49" charset="0"/>
+              </a:rPr>
+              <a:t>1 - Risk Found</a:t>
+            </a:r>
+          </a:p>
+        </p:txBody>
+      </p:sp>
     </p:spTree>
     <p:extLst>
       <p:ext uri="{BB962C8B-B14F-4D97-AF65-F5344CB8AC3E}">
-        <p14:creationId xmlns:p14="http://schemas.microsoft.com/office/powerpoint/2010/main" val="3699843981"/>
+        <p14:creationId xmlns:p14="http://schemas.microsoft.com/office/powerpoint/2010/main" val="828116808"/>
       </p:ext>
     </p:extLst>
   </p:cSld>
@@ -12223,7 +12211,7 @@
           <p:cNvPr id="2" name="Title 1">
             <a:extLst>
               <a:ext uri="{FF2B5EF4-FFF2-40B4-BE49-F238E27FC236}">
-                <a16:creationId xmlns:a16="http://schemas.microsoft.com/office/drawing/2014/main" id="{87DA7772-1BBF-AAE5-1DA1-AA667F3C6F9C}"/>
+                <a16:creationId xmlns:a16="http://schemas.microsoft.com/office/drawing/2014/main" id="{31FB2BF9-1327-4E1C-B4E4-6A726799F711}"/>
               </a:ext>
             </a:extLst>
           </p:cNvPr>
@@ -12240,8 +12228,12 @@
           <a:lstStyle/>
           <a:p>
             <a:r>
+              <a:rPr lang="en-IN" dirty="0"/>
+              <a:t>Modules- 3.</a:t>
+            </a:r>
+            <a:r>
               <a:rPr lang="en-US" dirty="0"/>
-              <a:t>training of GDI model with CNN</a:t>
+              <a:t> Feature Extraction</a:t>
             </a:r>
             <a:endParaRPr lang="en-IN" dirty="0"/>
           </a:p>
@@ -12252,7 +12244,7 @@
           <p:cNvPr id="4" name="Slide Number Placeholder 3">
             <a:extLst>
               <a:ext uri="{FF2B5EF4-FFF2-40B4-BE49-F238E27FC236}">
-                <a16:creationId xmlns:a16="http://schemas.microsoft.com/office/drawing/2014/main" id="{A5B7626D-A9EB-FD2F-432D-1D82A1FC953D}"/>
+                <a16:creationId xmlns:a16="http://schemas.microsoft.com/office/drawing/2014/main" id="{B2FED5F2-61AD-49D7-A78D-6466261F7D23}"/>
               </a:ext>
             </a:extLst>
           </p:cNvPr>
@@ -12276,87 +12268,100 @@
           </a:p>
         </p:txBody>
       </p:sp>
-      <p:sp>
-        <p:nvSpPr>
-          <p:cNvPr id="5" name="Content Placeholder 4">
-            <a:extLst>
-              <a:ext uri="{FF2B5EF4-FFF2-40B4-BE49-F238E27FC236}">
-                <a16:creationId xmlns:a16="http://schemas.microsoft.com/office/drawing/2014/main" id="{5506435B-1E7A-E4CF-9A07-B1B6EB0BDC68}"/>
-              </a:ext>
-            </a:extLst>
-          </p:cNvPr>
-          <p:cNvSpPr>
-            <a:spLocks noGrp="1"/>
-          </p:cNvSpPr>
-          <p:nvPr>
-            <p:ph idx="1"/>
-          </p:nvPr>
-        </p:nvSpPr>
-        <p:spPr/>
-        <p:txBody>
-          <a:bodyPr>
-            <a:normAutofit/>
-          </a:bodyPr>
-          <a:lstStyle/>
-          <a:p>
-            <a:r>
-              <a:rPr lang="en-US" sz="1800" dirty="0"/>
-              <a:t>CNN model is a parameterized mapping from a fixed-length time-series data (i.e.key points) to an outcome metric (eg. gdi)</a:t>
-            </a:r>
-          </a:p>
-          <a:p>
-            <a:r>
-              <a:rPr lang="en-US" sz="1800" dirty="0"/>
-              <a:t>The key building block of model is a 1-D convolutional layer.</a:t>
-            </a:r>
-          </a:p>
-          <a:p>
-            <a:r>
-              <a:rPr lang="en-US" sz="1800" dirty="0"/>
-              <a:t>The input to a 1-D convolutional layer consisted of a T × D set of neurons, where T was the number of points in the time dimension and D was the depth (the dimension of the multivariate time-series input into the model).</a:t>
-            </a:r>
-          </a:p>
-          <a:p>
-            <a:r>
-              <a:rPr lang="en-US" sz="1800" dirty="0"/>
-              <a:t>Each 1-D convolutional layer learned the weights of a set of filters of a given length</a:t>
-            </a:r>
-          </a:p>
-          <a:p>
-            <a:r>
-              <a:rPr lang="en-US" sz="1800" dirty="0"/>
-              <a:t>Each convolutional layer had 32 filters and a filter length of eight. We used the rectified linear unit (</a:t>
-            </a:r>
-            <a:r>
-              <a:rPr lang="en-US" sz="1800" dirty="0" err="1"/>
-              <a:t>ReLU</a:t>
-            </a:r>
-            <a:r>
-              <a:rPr lang="en-US" sz="1800" dirty="0"/>
-              <a:t>), defined as f(x) = max(0, x), as the activation function after each convolutional layer.</a:t>
-            </a:r>
-          </a:p>
-          <a:p>
-            <a:r>
-              <a:rPr lang="en-US" sz="1800" dirty="0"/>
-              <a:t> Trained CNN on 124-frame segments from the videos. We augmented the time-series data using a method sometimes referred to as window slicing, which allowed us to generate many training segments from each video.</a:t>
-            </a:r>
-          </a:p>
-          <a:p>
-            <a:r>
-              <a:rPr lang="en-US" sz="1800" dirty="0"/>
-              <a:t>. From each input time series, X, with length 500 in the time dimension and an associated clinical metric (e.g., GDI) extract overlapping segments of 124 frames in length, with each segment separated by 31 frames.</a:t>
-            </a:r>
-          </a:p>
-          <a:p>
-            <a:endParaRPr lang="en-IN" dirty="0"/>
-          </a:p>
-        </p:txBody>
-      </p:sp>
+      <p:pic>
+        <p:nvPicPr>
+          <p:cNvPr id="5" name="Picture 4">
+            <a:extLst>
+              <a:ext uri="{FF2B5EF4-FFF2-40B4-BE49-F238E27FC236}">
+                <a16:creationId xmlns:a16="http://schemas.microsoft.com/office/drawing/2014/main" id="{A9076DFA-5A9E-6D4D-8F11-AEF3BD965460}"/>
+              </a:ext>
+            </a:extLst>
+          </p:cNvPr>
+          <p:cNvPicPr>
+            <a:picLocks noChangeAspect="1"/>
+          </p:cNvPicPr>
+          <p:nvPr/>
+        </p:nvPicPr>
+        <p:blipFill>
+          <a:blip r:embed="rId2"/>
+          <a:stretch>
+            <a:fillRect/>
+          </a:stretch>
+        </p:blipFill>
+        <p:spPr>
+          <a:xfrm>
+            <a:off x="838200" y="1591834"/>
+            <a:ext cx="3898557" cy="2491905"/>
+          </a:xfrm>
+          <a:prstGeom prst="rect">
+            <a:avLst/>
+          </a:prstGeom>
+        </p:spPr>
+      </p:pic>
+      <p:pic>
+        <p:nvPicPr>
+          <p:cNvPr id="8" name="Picture 7">
+            <a:extLst>
+              <a:ext uri="{FF2B5EF4-FFF2-40B4-BE49-F238E27FC236}">
+                <a16:creationId xmlns:a16="http://schemas.microsoft.com/office/drawing/2014/main" id="{3ECF0FC3-3E62-69DC-6015-7D794B606A65}"/>
+              </a:ext>
+            </a:extLst>
+          </p:cNvPr>
+          <p:cNvPicPr>
+            <a:picLocks noChangeAspect="1"/>
+          </p:cNvPicPr>
+          <p:nvPr/>
+        </p:nvPicPr>
+        <p:blipFill>
+          <a:blip r:embed="rId3"/>
+          <a:stretch>
+            <a:fillRect/>
+          </a:stretch>
+        </p:blipFill>
+        <p:spPr>
+          <a:xfrm>
+            <a:off x="722697" y="4182593"/>
+            <a:ext cx="5480960" cy="2359858"/>
+          </a:xfrm>
+          <a:prstGeom prst="rect">
+            <a:avLst/>
+          </a:prstGeom>
+        </p:spPr>
+      </p:pic>
+      <p:pic>
+        <p:nvPicPr>
+          <p:cNvPr id="6" name="Picture 5">
+            <a:extLst>
+              <a:ext uri="{FF2B5EF4-FFF2-40B4-BE49-F238E27FC236}">
+                <a16:creationId xmlns:a16="http://schemas.microsoft.com/office/drawing/2014/main" id="{FB93BC19-69D4-EB5F-E3A6-70F3E1CB8C95}"/>
+              </a:ext>
+            </a:extLst>
+          </p:cNvPr>
+          <p:cNvPicPr>
+            <a:picLocks noChangeAspect="1"/>
+          </p:cNvPicPr>
+          <p:nvPr/>
+        </p:nvPicPr>
+        <p:blipFill>
+          <a:blip r:embed="rId4"/>
+          <a:stretch>
+            <a:fillRect/>
+          </a:stretch>
+        </p:blipFill>
+        <p:spPr>
+          <a:xfrm>
+            <a:off x="6646440" y="1517694"/>
+            <a:ext cx="4441689" cy="4017662"/>
+          </a:xfrm>
+          <a:prstGeom prst="rect">
+            <a:avLst/>
+          </a:prstGeom>
+        </p:spPr>
+      </p:pic>
     </p:spTree>
     <p:extLst>
       <p:ext uri="{BB962C8B-B14F-4D97-AF65-F5344CB8AC3E}">
-        <p14:creationId xmlns:p14="http://schemas.microsoft.com/office/powerpoint/2010/main" val="2644062087"/>
+        <p14:creationId xmlns:p14="http://schemas.microsoft.com/office/powerpoint/2010/main" val="3699843981"/>
       </p:ext>
     </p:extLst>
   </p:cSld>
@@ -12670,497 +12675,6 @@
       </p:sp>
       <p:sp>
         <p:nvSpPr>
-          <p:cNvPr id="9" name="Parallelogram 8">
-            <a:extLst>
-              <a:ext uri="{FF2B5EF4-FFF2-40B4-BE49-F238E27FC236}">
-                <a16:creationId xmlns:a16="http://schemas.microsoft.com/office/drawing/2014/main" id="{B5A8E35D-16C8-44A7-F73F-EFC49AFAA6E4}"/>
-              </a:ext>
-            </a:extLst>
-          </p:cNvPr>
-          <p:cNvSpPr/>
-          <p:nvPr/>
-        </p:nvSpPr>
-        <p:spPr>
-          <a:xfrm>
-            <a:off x="3310126" y="2527271"/>
-            <a:ext cx="1138990" cy="1666453"/>
-          </a:xfrm>
-          <a:prstGeom prst="parallelogram">
-            <a:avLst/>
-          </a:prstGeom>
-        </p:spPr>
-        <p:style>
-          <a:lnRef idx="2">
-            <a:schemeClr val="accent1">
-              <a:shade val="50000"/>
-            </a:schemeClr>
-          </a:lnRef>
-          <a:fillRef idx="1">
-            <a:schemeClr val="accent1"/>
-          </a:fillRef>
-          <a:effectRef idx="0">
-            <a:schemeClr val="accent1"/>
-          </a:effectRef>
-          <a:fontRef idx="minor">
-            <a:schemeClr val="lt1"/>
-          </a:fontRef>
-        </p:style>
-        <p:txBody>
-          <a:bodyPr rtlCol="0" anchor="ctr"/>
-          <a:lstStyle/>
-          <a:p>
-            <a:pPr algn="ctr"/>
-            <a:endParaRPr lang="en-IN"/>
-          </a:p>
-        </p:txBody>
-      </p:sp>
-      <p:sp>
-        <p:nvSpPr>
-          <p:cNvPr id="10" name="Parallelogram 9">
-            <a:extLst>
-              <a:ext uri="{FF2B5EF4-FFF2-40B4-BE49-F238E27FC236}">
-                <a16:creationId xmlns:a16="http://schemas.microsoft.com/office/drawing/2014/main" id="{53820C0F-373B-407C-C2F2-7BA594FCD306}"/>
-              </a:ext>
-            </a:extLst>
-          </p:cNvPr>
-          <p:cNvSpPr/>
-          <p:nvPr/>
-        </p:nvSpPr>
-        <p:spPr>
-          <a:xfrm>
-            <a:off x="3478570" y="2589352"/>
-            <a:ext cx="1138990" cy="1666453"/>
-          </a:xfrm>
-          <a:prstGeom prst="parallelogram">
-            <a:avLst/>
-          </a:prstGeom>
-        </p:spPr>
-        <p:style>
-          <a:lnRef idx="2">
-            <a:schemeClr val="accent1">
-              <a:shade val="50000"/>
-            </a:schemeClr>
-          </a:lnRef>
-          <a:fillRef idx="1">
-            <a:schemeClr val="accent1"/>
-          </a:fillRef>
-          <a:effectRef idx="0">
-            <a:schemeClr val="accent1"/>
-          </a:effectRef>
-          <a:fontRef idx="minor">
-            <a:schemeClr val="lt1"/>
-          </a:fontRef>
-        </p:style>
-        <p:txBody>
-          <a:bodyPr rtlCol="0" anchor="ctr"/>
-          <a:lstStyle/>
-          <a:p>
-            <a:pPr algn="ctr"/>
-            <a:endParaRPr lang="en-IN"/>
-          </a:p>
-        </p:txBody>
-      </p:sp>
-      <p:sp>
-        <p:nvSpPr>
-          <p:cNvPr id="11" name="Parallelogram 10">
-            <a:extLst>
-              <a:ext uri="{FF2B5EF4-FFF2-40B4-BE49-F238E27FC236}">
-                <a16:creationId xmlns:a16="http://schemas.microsoft.com/office/drawing/2014/main" id="{7C456776-F7D8-D849-4859-DCCE67A65E06}"/>
-              </a:ext>
-            </a:extLst>
-          </p:cNvPr>
-          <p:cNvSpPr/>
-          <p:nvPr/>
-        </p:nvSpPr>
-        <p:spPr>
-          <a:xfrm>
-            <a:off x="3675083" y="2708549"/>
-            <a:ext cx="1138990" cy="1666453"/>
-          </a:xfrm>
-          <a:prstGeom prst="parallelogram">
-            <a:avLst/>
-          </a:prstGeom>
-        </p:spPr>
-        <p:style>
-          <a:lnRef idx="2">
-            <a:schemeClr val="accent1">
-              <a:shade val="50000"/>
-            </a:schemeClr>
-          </a:lnRef>
-          <a:fillRef idx="1">
-            <a:schemeClr val="accent1"/>
-          </a:fillRef>
-          <a:effectRef idx="0">
-            <a:schemeClr val="accent1"/>
-          </a:effectRef>
-          <a:fontRef idx="minor">
-            <a:schemeClr val="lt1"/>
-          </a:fontRef>
-        </p:style>
-        <p:txBody>
-          <a:bodyPr rtlCol="0" anchor="ctr"/>
-          <a:lstStyle/>
-          <a:p>
-            <a:pPr algn="ctr"/>
-            <a:endParaRPr lang="en-IN"/>
-          </a:p>
-        </p:txBody>
-      </p:sp>
-      <p:sp>
-        <p:nvSpPr>
-          <p:cNvPr id="12" name="TextBox 11">
-            <a:extLst>
-              <a:ext uri="{FF2B5EF4-FFF2-40B4-BE49-F238E27FC236}">
-                <a16:creationId xmlns:a16="http://schemas.microsoft.com/office/drawing/2014/main" id="{39546467-1C5A-C6F5-D599-683EF3D6A68A}"/>
-              </a:ext>
-            </a:extLst>
-          </p:cNvPr>
-          <p:cNvSpPr txBox="1"/>
-          <p:nvPr/>
-        </p:nvSpPr>
-        <p:spPr>
-          <a:xfrm>
-            <a:off x="3176610" y="4375002"/>
-            <a:ext cx="1748043" cy="646331"/>
-          </a:xfrm>
-          <a:prstGeom prst="rect">
-            <a:avLst/>
-          </a:prstGeom>
-          <a:noFill/>
-        </p:spPr>
-        <p:txBody>
-          <a:bodyPr wrap="none" rtlCol="0">
-            <a:spAutoFit/>
-          </a:bodyPr>
-          <a:lstStyle/>
-          <a:p>
-            <a:r>
-              <a:rPr lang="en-IN" dirty="0"/>
-              <a:t>Convolution 1D+</a:t>
-            </a:r>
-          </a:p>
-          <a:p>
-            <a:r>
-              <a:rPr lang="en-IN" dirty="0"/>
-              <a:t>Maxpooling 1D</a:t>
-            </a:r>
-          </a:p>
-        </p:txBody>
-      </p:sp>
-      <p:sp>
-        <p:nvSpPr>
-          <p:cNvPr id="13" name="Parallelogram 12">
-            <a:extLst>
-              <a:ext uri="{FF2B5EF4-FFF2-40B4-BE49-F238E27FC236}">
-                <a16:creationId xmlns:a16="http://schemas.microsoft.com/office/drawing/2014/main" id="{D6A02567-181F-52C8-C1FF-7E1CC83A8DB2}"/>
-              </a:ext>
-            </a:extLst>
-          </p:cNvPr>
-          <p:cNvSpPr/>
-          <p:nvPr/>
-        </p:nvSpPr>
-        <p:spPr>
-          <a:xfrm>
-            <a:off x="5320822" y="2527271"/>
-            <a:ext cx="1138990" cy="1666453"/>
-          </a:xfrm>
-          <a:prstGeom prst="parallelogram">
-            <a:avLst/>
-          </a:prstGeom>
-        </p:spPr>
-        <p:style>
-          <a:lnRef idx="2">
-            <a:schemeClr val="accent1">
-              <a:shade val="50000"/>
-            </a:schemeClr>
-          </a:lnRef>
-          <a:fillRef idx="1">
-            <a:schemeClr val="accent1"/>
-          </a:fillRef>
-          <a:effectRef idx="0">
-            <a:schemeClr val="accent1"/>
-          </a:effectRef>
-          <a:fontRef idx="minor">
-            <a:schemeClr val="lt1"/>
-          </a:fontRef>
-        </p:style>
-        <p:txBody>
-          <a:bodyPr rtlCol="0" anchor="ctr"/>
-          <a:lstStyle/>
-          <a:p>
-            <a:pPr algn="ctr"/>
-            <a:endParaRPr lang="en-IN"/>
-          </a:p>
-        </p:txBody>
-      </p:sp>
-      <p:sp>
-        <p:nvSpPr>
-          <p:cNvPr id="14" name="Parallelogram 13">
-            <a:extLst>
-              <a:ext uri="{FF2B5EF4-FFF2-40B4-BE49-F238E27FC236}">
-                <a16:creationId xmlns:a16="http://schemas.microsoft.com/office/drawing/2014/main" id="{A954AEE6-5D06-04A5-1458-359765795287}"/>
-              </a:ext>
-            </a:extLst>
-          </p:cNvPr>
-          <p:cNvSpPr/>
-          <p:nvPr/>
-        </p:nvSpPr>
-        <p:spPr>
-          <a:xfrm>
-            <a:off x="5489266" y="2589352"/>
-            <a:ext cx="1138990" cy="1666453"/>
-          </a:xfrm>
-          <a:prstGeom prst="parallelogram">
-            <a:avLst/>
-          </a:prstGeom>
-        </p:spPr>
-        <p:style>
-          <a:lnRef idx="2">
-            <a:schemeClr val="accent1">
-              <a:shade val="50000"/>
-            </a:schemeClr>
-          </a:lnRef>
-          <a:fillRef idx="1">
-            <a:schemeClr val="accent1"/>
-          </a:fillRef>
-          <a:effectRef idx="0">
-            <a:schemeClr val="accent1"/>
-          </a:effectRef>
-          <a:fontRef idx="minor">
-            <a:schemeClr val="lt1"/>
-          </a:fontRef>
-        </p:style>
-        <p:txBody>
-          <a:bodyPr rtlCol="0" anchor="ctr"/>
-          <a:lstStyle/>
-          <a:p>
-            <a:pPr algn="ctr"/>
-            <a:endParaRPr lang="en-IN"/>
-          </a:p>
-        </p:txBody>
-      </p:sp>
-      <p:sp>
-        <p:nvSpPr>
-          <p:cNvPr id="15" name="Parallelogram 14">
-            <a:extLst>
-              <a:ext uri="{FF2B5EF4-FFF2-40B4-BE49-F238E27FC236}">
-                <a16:creationId xmlns:a16="http://schemas.microsoft.com/office/drawing/2014/main" id="{188C6A5B-4F21-057E-199B-AB6ACE6984A5}"/>
-              </a:ext>
-            </a:extLst>
-          </p:cNvPr>
-          <p:cNvSpPr/>
-          <p:nvPr/>
-        </p:nvSpPr>
-        <p:spPr>
-          <a:xfrm>
-            <a:off x="5685779" y="2708549"/>
-            <a:ext cx="1138990" cy="1666453"/>
-          </a:xfrm>
-          <a:prstGeom prst="parallelogram">
-            <a:avLst/>
-          </a:prstGeom>
-        </p:spPr>
-        <p:style>
-          <a:lnRef idx="2">
-            <a:schemeClr val="accent1">
-              <a:shade val="50000"/>
-            </a:schemeClr>
-          </a:lnRef>
-          <a:fillRef idx="1">
-            <a:schemeClr val="accent1"/>
-          </a:fillRef>
-          <a:effectRef idx="0">
-            <a:schemeClr val="accent1"/>
-          </a:effectRef>
-          <a:fontRef idx="minor">
-            <a:schemeClr val="lt1"/>
-          </a:fontRef>
-        </p:style>
-        <p:txBody>
-          <a:bodyPr rtlCol="0" anchor="ctr"/>
-          <a:lstStyle/>
-          <a:p>
-            <a:pPr algn="ctr"/>
-            <a:endParaRPr lang="en-IN"/>
-          </a:p>
-        </p:txBody>
-      </p:sp>
-      <p:sp>
-        <p:nvSpPr>
-          <p:cNvPr id="19" name="TextBox 18">
-            <a:extLst>
-              <a:ext uri="{FF2B5EF4-FFF2-40B4-BE49-F238E27FC236}">
-                <a16:creationId xmlns:a16="http://schemas.microsoft.com/office/drawing/2014/main" id="{6070AB9C-D191-43B4-8B01-DC748ED84810}"/>
-              </a:ext>
-            </a:extLst>
-          </p:cNvPr>
-          <p:cNvSpPr txBox="1"/>
-          <p:nvPr/>
-        </p:nvSpPr>
-        <p:spPr>
-          <a:xfrm>
-            <a:off x="5184739" y="4366977"/>
-            <a:ext cx="2229328" cy="646331"/>
-          </a:xfrm>
-          <a:prstGeom prst="rect">
-            <a:avLst/>
-          </a:prstGeom>
-          <a:noFill/>
-        </p:spPr>
-        <p:txBody>
-          <a:bodyPr wrap="none" rtlCol="0">
-            <a:spAutoFit/>
-          </a:bodyPr>
-          <a:lstStyle/>
-          <a:p>
-            <a:r>
-              <a:rPr lang="en-IN" dirty="0"/>
-              <a:t>Convolution 1D+ tanh</a:t>
-            </a:r>
-          </a:p>
-          <a:p>
-            <a:r>
-              <a:rPr lang="en-IN" dirty="0"/>
-              <a:t>Maxpooling 1D</a:t>
-            </a:r>
-          </a:p>
-        </p:txBody>
-      </p:sp>
-      <p:sp>
-        <p:nvSpPr>
-          <p:cNvPr id="20" name="Flowchart: Terminator 19">
-            <a:extLst>
-              <a:ext uri="{FF2B5EF4-FFF2-40B4-BE49-F238E27FC236}">
-                <a16:creationId xmlns:a16="http://schemas.microsoft.com/office/drawing/2014/main" id="{35B125BE-1D38-7E62-3E5B-94A70D29B865}"/>
-              </a:ext>
-            </a:extLst>
-          </p:cNvPr>
-          <p:cNvSpPr/>
-          <p:nvPr/>
-        </p:nvSpPr>
-        <p:spPr>
-          <a:xfrm rot="5400000">
-            <a:off x="7193739" y="3234451"/>
-            <a:ext cx="1761765" cy="503288"/>
-          </a:xfrm>
-          <a:prstGeom prst="flowChartTerminator">
-            <a:avLst/>
-          </a:prstGeom>
-        </p:spPr>
-        <p:style>
-          <a:lnRef idx="2">
-            <a:schemeClr val="accent1">
-              <a:shade val="50000"/>
-            </a:schemeClr>
-          </a:lnRef>
-          <a:fillRef idx="1">
-            <a:schemeClr val="accent1"/>
-          </a:fillRef>
-          <a:effectRef idx="0">
-            <a:schemeClr val="accent1"/>
-          </a:effectRef>
-          <a:fontRef idx="minor">
-            <a:schemeClr val="lt1"/>
-          </a:fontRef>
-        </p:style>
-        <p:txBody>
-          <a:bodyPr rtlCol="0" anchor="ctr"/>
-          <a:lstStyle/>
-          <a:p>
-            <a:pPr algn="ctr"/>
-            <a:endParaRPr lang="en-IN"/>
-          </a:p>
-        </p:txBody>
-      </p:sp>
-      <p:sp>
-        <p:nvSpPr>
-          <p:cNvPr id="21" name="Flowchart: Terminator 20">
-            <a:extLst>
-              <a:ext uri="{FF2B5EF4-FFF2-40B4-BE49-F238E27FC236}">
-                <a16:creationId xmlns:a16="http://schemas.microsoft.com/office/drawing/2014/main" id="{C7E8D821-D4BA-07E5-1632-E49A5CCB161D}"/>
-              </a:ext>
-            </a:extLst>
-          </p:cNvPr>
-          <p:cNvSpPr/>
-          <p:nvPr/>
-        </p:nvSpPr>
-        <p:spPr>
-          <a:xfrm rot="5400000">
-            <a:off x="8243712" y="3365226"/>
-            <a:ext cx="1296149" cy="360847"/>
-          </a:xfrm>
-          <a:prstGeom prst="flowChartTerminator">
-            <a:avLst/>
-          </a:prstGeom>
-        </p:spPr>
-        <p:style>
-          <a:lnRef idx="2">
-            <a:schemeClr val="accent1">
-              <a:shade val="50000"/>
-            </a:schemeClr>
-          </a:lnRef>
-          <a:fillRef idx="1">
-            <a:schemeClr val="accent1"/>
-          </a:fillRef>
-          <a:effectRef idx="0">
-            <a:schemeClr val="accent1"/>
-          </a:effectRef>
-          <a:fontRef idx="minor">
-            <a:schemeClr val="lt1"/>
-          </a:fontRef>
-        </p:style>
-        <p:txBody>
-          <a:bodyPr rtlCol="0" anchor="ctr"/>
-          <a:lstStyle/>
-          <a:p>
-            <a:pPr algn="ctr"/>
-            <a:endParaRPr lang="en-IN"/>
-          </a:p>
-        </p:txBody>
-      </p:sp>
-      <p:sp>
-        <p:nvSpPr>
-          <p:cNvPr id="22" name="TextBox 21">
-            <a:extLst>
-              <a:ext uri="{FF2B5EF4-FFF2-40B4-BE49-F238E27FC236}">
-                <a16:creationId xmlns:a16="http://schemas.microsoft.com/office/drawing/2014/main" id="{09577C0D-FB5B-A61D-3330-73540AB26645}"/>
-              </a:ext>
-            </a:extLst>
-          </p:cNvPr>
-          <p:cNvSpPr txBox="1"/>
-          <p:nvPr/>
-        </p:nvSpPr>
-        <p:spPr>
-          <a:xfrm>
-            <a:off x="7548430" y="4337992"/>
-            <a:ext cx="1838196" cy="646331"/>
-          </a:xfrm>
-          <a:prstGeom prst="rect">
-            <a:avLst/>
-          </a:prstGeom>
-          <a:noFill/>
-        </p:spPr>
-        <p:txBody>
-          <a:bodyPr wrap="none" rtlCol="0">
-            <a:spAutoFit/>
-          </a:bodyPr>
-          <a:lstStyle/>
-          <a:p>
-            <a:r>
-              <a:rPr lang="en-IN" dirty="0"/>
-              <a:t>           Fully</a:t>
-            </a:r>
-          </a:p>
-          <a:p>
-            <a:r>
-              <a:rPr lang="en-IN" dirty="0"/>
-              <a:t>Connected Layers</a:t>
-            </a:r>
-          </a:p>
-        </p:txBody>
-      </p:sp>
-      <p:sp>
-        <p:nvSpPr>
           <p:cNvPr id="23" name="Flowchart: Terminator 22">
             <a:extLst>
               <a:ext uri="{FF2B5EF4-FFF2-40B4-BE49-F238E27FC236}">
@@ -13421,234 +12935,6 @@
           </a:fontRef>
         </p:style>
       </p:cxnSp>
-      <p:cxnSp>
-        <p:nvCxnSpPr>
-          <p:cNvPr id="45" name="Straight Connector 44">
-            <a:extLst>
-              <a:ext uri="{FF2B5EF4-FFF2-40B4-BE49-F238E27FC236}">
-                <a16:creationId xmlns:a16="http://schemas.microsoft.com/office/drawing/2014/main" id="{9CDDA74B-8CEB-5F1F-5D09-5737B63EA8AC}"/>
-              </a:ext>
-            </a:extLst>
-          </p:cNvPr>
-          <p:cNvCxnSpPr>
-            <a:cxnSpLocks/>
-          </p:cNvCxnSpPr>
-          <p:nvPr/>
-        </p:nvCxnSpPr>
-        <p:spPr>
-          <a:xfrm>
-            <a:off x="4744604" y="3091159"/>
-            <a:ext cx="772731" cy="0"/>
-          </a:xfrm>
-          <a:prstGeom prst="line">
-            <a:avLst/>
-          </a:prstGeom>
-        </p:spPr>
-        <p:style>
-          <a:lnRef idx="3">
-            <a:schemeClr val="dk1"/>
-          </a:lnRef>
-          <a:fillRef idx="0">
-            <a:schemeClr val="dk1"/>
-          </a:fillRef>
-          <a:effectRef idx="2">
-            <a:schemeClr val="dk1"/>
-          </a:effectRef>
-          <a:fontRef idx="minor">
-            <a:schemeClr val="tx1"/>
-          </a:fontRef>
-        </p:style>
-      </p:cxnSp>
-      <p:cxnSp>
-        <p:nvCxnSpPr>
-          <p:cNvPr id="46" name="Straight Connector 45">
-            <a:extLst>
-              <a:ext uri="{FF2B5EF4-FFF2-40B4-BE49-F238E27FC236}">
-                <a16:creationId xmlns:a16="http://schemas.microsoft.com/office/drawing/2014/main" id="{3472E7E3-053A-A5A2-D07A-57535A03B48E}"/>
-              </a:ext>
-            </a:extLst>
-          </p:cNvPr>
-          <p:cNvCxnSpPr>
-            <a:cxnSpLocks/>
-          </p:cNvCxnSpPr>
-          <p:nvPr/>
-        </p:nvCxnSpPr>
-        <p:spPr>
-          <a:xfrm flipV="1">
-            <a:off x="4645629" y="3737490"/>
-            <a:ext cx="757993" cy="7697"/>
-          </a:xfrm>
-          <a:prstGeom prst="line">
-            <a:avLst/>
-          </a:prstGeom>
-        </p:spPr>
-        <p:style>
-          <a:lnRef idx="3">
-            <a:schemeClr val="dk1"/>
-          </a:lnRef>
-          <a:fillRef idx="0">
-            <a:schemeClr val="dk1"/>
-          </a:fillRef>
-          <a:effectRef idx="2">
-            <a:schemeClr val="dk1"/>
-          </a:effectRef>
-          <a:fontRef idx="minor">
-            <a:schemeClr val="tx1"/>
-          </a:fontRef>
-        </p:style>
-      </p:cxnSp>
-      <p:cxnSp>
-        <p:nvCxnSpPr>
-          <p:cNvPr id="53" name="Straight Connector 52">
-            <a:extLst>
-              <a:ext uri="{FF2B5EF4-FFF2-40B4-BE49-F238E27FC236}">
-                <a16:creationId xmlns:a16="http://schemas.microsoft.com/office/drawing/2014/main" id="{C7743C47-F1D8-8364-00DD-7AE7AC5F05C2}"/>
-              </a:ext>
-            </a:extLst>
-          </p:cNvPr>
-          <p:cNvCxnSpPr>
-            <a:cxnSpLocks/>
-          </p:cNvCxnSpPr>
-          <p:nvPr/>
-        </p:nvCxnSpPr>
-        <p:spPr>
-          <a:xfrm>
-            <a:off x="6775699" y="3091159"/>
-            <a:ext cx="1047278" cy="0"/>
-          </a:xfrm>
-          <a:prstGeom prst="line">
-            <a:avLst/>
-          </a:prstGeom>
-        </p:spPr>
-        <p:style>
-          <a:lnRef idx="3">
-            <a:schemeClr val="dk1"/>
-          </a:lnRef>
-          <a:fillRef idx="0">
-            <a:schemeClr val="dk1"/>
-          </a:fillRef>
-          <a:effectRef idx="2">
-            <a:schemeClr val="dk1"/>
-          </a:effectRef>
-          <a:fontRef idx="minor">
-            <a:schemeClr val="tx1"/>
-          </a:fontRef>
-        </p:style>
-      </p:cxnSp>
-      <p:cxnSp>
-        <p:nvCxnSpPr>
-          <p:cNvPr id="55" name="Straight Connector 54">
-            <a:extLst>
-              <a:ext uri="{FF2B5EF4-FFF2-40B4-BE49-F238E27FC236}">
-                <a16:creationId xmlns:a16="http://schemas.microsoft.com/office/drawing/2014/main" id="{07AAE950-A787-6D3C-BE72-CB3B161FA8CD}"/>
-              </a:ext>
-            </a:extLst>
-          </p:cNvPr>
-          <p:cNvCxnSpPr>
-            <a:cxnSpLocks/>
-          </p:cNvCxnSpPr>
-          <p:nvPr/>
-        </p:nvCxnSpPr>
-        <p:spPr>
-          <a:xfrm>
-            <a:off x="6628256" y="3745187"/>
-            <a:ext cx="1194721" cy="0"/>
-          </a:xfrm>
-          <a:prstGeom prst="line">
-            <a:avLst/>
-          </a:prstGeom>
-        </p:spPr>
-        <p:style>
-          <a:lnRef idx="3">
-            <a:schemeClr val="dk1"/>
-          </a:lnRef>
-          <a:fillRef idx="0">
-            <a:schemeClr val="dk1"/>
-          </a:fillRef>
-          <a:effectRef idx="2">
-            <a:schemeClr val="dk1"/>
-          </a:effectRef>
-          <a:fontRef idx="minor">
-            <a:schemeClr val="tx1"/>
-          </a:fontRef>
-        </p:style>
-      </p:cxnSp>
-      <p:cxnSp>
-        <p:nvCxnSpPr>
-          <p:cNvPr id="57" name="Straight Connector 56">
-            <a:extLst>
-              <a:ext uri="{FF2B5EF4-FFF2-40B4-BE49-F238E27FC236}">
-                <a16:creationId xmlns:a16="http://schemas.microsoft.com/office/drawing/2014/main" id="{07B43953-384E-8C56-FFE7-D760914ACD3B}"/>
-              </a:ext>
-            </a:extLst>
-          </p:cNvPr>
-          <p:cNvCxnSpPr>
-            <a:cxnSpLocks/>
-          </p:cNvCxnSpPr>
-          <p:nvPr/>
-        </p:nvCxnSpPr>
-        <p:spPr>
-          <a:xfrm>
-            <a:off x="8326266" y="3394963"/>
-            <a:ext cx="385097" cy="0"/>
-          </a:xfrm>
-          <a:prstGeom prst="line">
-            <a:avLst/>
-          </a:prstGeom>
-        </p:spPr>
-        <p:style>
-          <a:lnRef idx="3">
-            <a:schemeClr val="dk1"/>
-          </a:lnRef>
-          <a:fillRef idx="0">
-            <a:schemeClr val="dk1"/>
-          </a:fillRef>
-          <a:effectRef idx="2">
-            <a:schemeClr val="dk1"/>
-          </a:effectRef>
-          <a:fontRef idx="minor">
-            <a:schemeClr val="tx1"/>
-          </a:fontRef>
-        </p:style>
-      </p:cxnSp>
-      <p:cxnSp>
-        <p:nvCxnSpPr>
-          <p:cNvPr id="59" name="Straight Connector 58">
-            <a:extLst>
-              <a:ext uri="{FF2B5EF4-FFF2-40B4-BE49-F238E27FC236}">
-                <a16:creationId xmlns:a16="http://schemas.microsoft.com/office/drawing/2014/main" id="{9D9DA390-9CF2-4DF7-754B-DF7338246D4B}"/>
-              </a:ext>
-            </a:extLst>
-          </p:cNvPr>
-          <p:cNvCxnSpPr>
-            <a:cxnSpLocks/>
-          </p:cNvCxnSpPr>
-          <p:nvPr/>
-        </p:nvCxnSpPr>
-        <p:spPr>
-          <a:xfrm>
-            <a:off x="8326266" y="3647705"/>
-            <a:ext cx="385097" cy="0"/>
-          </a:xfrm>
-          <a:prstGeom prst="line">
-            <a:avLst/>
-          </a:prstGeom>
-        </p:spPr>
-        <p:style>
-          <a:lnRef idx="3">
-            <a:schemeClr val="dk1"/>
-          </a:lnRef>
-          <a:fillRef idx="0">
-            <a:schemeClr val="dk1"/>
-          </a:fillRef>
-          <a:effectRef idx="2">
-            <a:schemeClr val="dk1"/>
-          </a:effectRef>
-          <a:fontRef idx="minor">
-            <a:schemeClr val="tx1"/>
-          </a:fontRef>
-        </p:style>
-      </p:cxnSp>
       <p:sp>
         <p:nvSpPr>
           <p:cNvPr id="71" name="TextBox 70">
@@ -13663,7 +12949,7 @@
         </p:nvSpPr>
         <p:spPr>
           <a:xfrm>
-            <a:off x="5445917" y="2096244"/>
+            <a:off x="5286642" y="3429000"/>
             <a:ext cx="1618713" cy="369332"/>
           </a:xfrm>
           <a:prstGeom prst="rect">
@@ -15025,6 +14311,10 @@
           <a:lstStyle/>
           <a:p>
             <a:pPr algn="ctr"/>
+            <a:r>
+              <a:rPr lang="en-US" dirty="0"/>
+              <a:t>CNN Algorithms</a:t>
+            </a:r>
             <a:endParaRPr lang="en-IN" dirty="0"/>
           </a:p>
         </p:txBody>
@@ -15658,6 +14948,379 @@
       </p:grpSpPr>
       <p:sp>
         <p:nvSpPr>
+          <p:cNvPr id="2" name="Title 1">
+            <a:extLst>
+              <a:ext uri="{FF2B5EF4-FFF2-40B4-BE49-F238E27FC236}">
+                <a16:creationId xmlns:a16="http://schemas.microsoft.com/office/drawing/2014/main" id="{C66206FC-6CB1-4275-871D-38DDF1FCAC8B}"/>
+              </a:ext>
+            </a:extLst>
+          </p:cNvPr>
+          <p:cNvSpPr>
+            <a:spLocks noGrp="1"/>
+          </p:cNvSpPr>
+          <p:nvPr>
+            <p:ph type="title"/>
+          </p:nvPr>
+        </p:nvSpPr>
+        <p:spPr/>
+        <p:txBody>
+          <a:bodyPr/>
+          <a:lstStyle/>
+          <a:p>
+            <a:r>
+              <a:rPr lang="en-IN" dirty="0">
+                <a:latin typeface="+mn-lt"/>
+              </a:rPr>
+              <a:t>CNN Layers For PD </a:t>
+            </a:r>
+            <a:r>
+              <a:rPr lang="en-US" i="0" dirty="0">
+                <a:solidFill>
+                  <a:srgbClr val="24292F"/>
+                </a:solidFill>
+                <a:effectLst/>
+                <a:latin typeface="+mn-lt"/>
+              </a:rPr>
+              <a:t>Severity</a:t>
+            </a:r>
+            <a:r>
+              <a:rPr lang="en-IN" dirty="0">
+                <a:latin typeface="+mn-lt"/>
+              </a:rPr>
+              <a:t> </a:t>
+            </a:r>
+          </a:p>
+        </p:txBody>
+      </p:sp>
+      <p:sp>
+        <p:nvSpPr>
+          <p:cNvPr id="4" name="Slide Number Placeholder 3">
+            <a:extLst>
+              <a:ext uri="{FF2B5EF4-FFF2-40B4-BE49-F238E27FC236}">
+                <a16:creationId xmlns:a16="http://schemas.microsoft.com/office/drawing/2014/main" id="{FA91C465-F0CC-4610-A0F4-FC19CD59C9CC}"/>
+              </a:ext>
+            </a:extLst>
+          </p:cNvPr>
+          <p:cNvSpPr>
+            <a:spLocks noGrp="1"/>
+          </p:cNvSpPr>
+          <p:nvPr>
+            <p:ph type="sldNum" sz="quarter" idx="12"/>
+          </p:nvPr>
+        </p:nvSpPr>
+        <p:spPr/>
+        <p:txBody>
+          <a:bodyPr/>
+          <a:lstStyle/>
+          <a:p>
+            <a:fld id="{89901C2D-82A2-4EF3-9AE4-31F78FDAF399}" type="slidenum">
+              <a:rPr lang="en-IN" smtClean="0"/>
+              <a:t>25</a:t>
+            </a:fld>
+            <a:endParaRPr lang="en-IN"/>
+          </a:p>
+        </p:txBody>
+      </p:sp>
+      <p:pic>
+        <p:nvPicPr>
+          <p:cNvPr id="6" name="Picture 5">
+            <a:extLst>
+              <a:ext uri="{FF2B5EF4-FFF2-40B4-BE49-F238E27FC236}">
+                <a16:creationId xmlns:a16="http://schemas.microsoft.com/office/drawing/2014/main" id="{BB36BA7B-5CD6-4AA2-91F4-9A06552FA256}"/>
+              </a:ext>
+            </a:extLst>
+          </p:cNvPr>
+          <p:cNvPicPr>
+            <a:picLocks noChangeAspect="1"/>
+          </p:cNvPicPr>
+          <p:nvPr/>
+        </p:nvPicPr>
+        <p:blipFill>
+          <a:blip r:embed="rId2"/>
+          <a:stretch>
+            <a:fillRect/>
+          </a:stretch>
+        </p:blipFill>
+        <p:spPr>
+          <a:xfrm>
+            <a:off x="1049154" y="1580225"/>
+            <a:ext cx="9449504" cy="4685821"/>
+          </a:xfrm>
+          <a:prstGeom prst="rect">
+            <a:avLst/>
+          </a:prstGeom>
+        </p:spPr>
+      </p:pic>
+    </p:spTree>
+    <p:extLst>
+      <p:ext uri="{BB962C8B-B14F-4D97-AF65-F5344CB8AC3E}">
+        <p14:creationId xmlns:p14="http://schemas.microsoft.com/office/powerpoint/2010/main" val="2927378751"/>
+      </p:ext>
+    </p:extLst>
+  </p:cSld>
+  <p:clrMapOvr>
+    <a:masterClrMapping/>
+  </p:clrMapOvr>
+</p:sld>
+</file>
+
+<file path=ppt/slides/slide26.xml><?xml version="1.0" encoding="utf-8"?>
+<p:sld xmlns:a="http://schemas.openxmlformats.org/drawingml/2006/main" xmlns:r="http://schemas.openxmlformats.org/officeDocument/2006/relationships" xmlns:p="http://schemas.openxmlformats.org/presentationml/2006/main">
+  <p:cSld>
+    <p:spTree>
+      <p:nvGrpSpPr>
+        <p:cNvPr id="1" name=""/>
+        <p:cNvGrpSpPr/>
+        <p:nvPr/>
+      </p:nvGrpSpPr>
+      <p:grpSpPr>
+        <a:xfrm>
+          <a:off x="0" y="0"/>
+          <a:ext cx="0" cy="0"/>
+          <a:chOff x="0" y="0"/>
+          <a:chExt cx="0" cy="0"/>
+        </a:xfrm>
+      </p:grpSpPr>
+      <p:sp>
+        <p:nvSpPr>
+          <p:cNvPr id="2" name="Title 1">
+            <a:extLst>
+              <a:ext uri="{FF2B5EF4-FFF2-40B4-BE49-F238E27FC236}">
+                <a16:creationId xmlns:a16="http://schemas.microsoft.com/office/drawing/2014/main" id="{180A25DD-7B82-BE49-1025-74E168969AA6}"/>
+              </a:ext>
+            </a:extLst>
+          </p:cNvPr>
+          <p:cNvSpPr>
+            <a:spLocks noGrp="1"/>
+          </p:cNvSpPr>
+          <p:nvPr>
+            <p:ph type="title"/>
+          </p:nvPr>
+        </p:nvSpPr>
+        <p:spPr/>
+        <p:txBody>
+          <a:bodyPr/>
+          <a:lstStyle/>
+          <a:p>
+            <a:r>
+              <a:rPr lang="en-IN" dirty="0"/>
+              <a:t>Model Evaluation</a:t>
+            </a:r>
+          </a:p>
+        </p:txBody>
+      </p:sp>
+      <p:sp>
+        <p:nvSpPr>
+          <p:cNvPr id="4" name="Slide Number Placeholder 3">
+            <a:extLst>
+              <a:ext uri="{FF2B5EF4-FFF2-40B4-BE49-F238E27FC236}">
+                <a16:creationId xmlns:a16="http://schemas.microsoft.com/office/drawing/2014/main" id="{F817DCC3-9D03-6D63-388D-0F07C7A32BE4}"/>
+              </a:ext>
+            </a:extLst>
+          </p:cNvPr>
+          <p:cNvSpPr>
+            <a:spLocks noGrp="1"/>
+          </p:cNvSpPr>
+          <p:nvPr>
+            <p:ph type="sldNum" sz="quarter" idx="12"/>
+          </p:nvPr>
+        </p:nvSpPr>
+        <p:spPr/>
+        <p:txBody>
+          <a:bodyPr/>
+          <a:lstStyle/>
+          <a:p>
+            <a:fld id="{89901C2D-82A2-4EF3-9AE4-31F78FDAF399}" type="slidenum">
+              <a:rPr lang="en-IN" smtClean="0"/>
+              <a:t>26</a:t>
+            </a:fld>
+            <a:endParaRPr lang="en-IN"/>
+          </a:p>
+        </p:txBody>
+      </p:sp>
+      <p:sp>
+        <p:nvSpPr>
+          <p:cNvPr id="15" name="TextBox 14">
+            <a:extLst>
+              <a:ext uri="{FF2B5EF4-FFF2-40B4-BE49-F238E27FC236}">
+                <a16:creationId xmlns:a16="http://schemas.microsoft.com/office/drawing/2014/main" id="{E696FBB7-7D49-5CFD-C33C-CC4C4DC73FF5}"/>
+              </a:ext>
+            </a:extLst>
+          </p:cNvPr>
+          <p:cNvSpPr txBox="1"/>
+          <p:nvPr/>
+        </p:nvSpPr>
+        <p:spPr>
+          <a:xfrm>
+            <a:off x="5875269" y="5156021"/>
+            <a:ext cx="5915025" cy="1200329"/>
+          </a:xfrm>
+          <a:prstGeom prst="rect">
+            <a:avLst/>
+          </a:prstGeom>
+          <a:noFill/>
+        </p:spPr>
+        <p:txBody>
+          <a:bodyPr wrap="square">
+            <a:spAutoFit/>
+          </a:bodyPr>
+          <a:lstStyle/>
+          <a:p>
+            <a:r>
+              <a:rPr lang="en-US" b="0" i="0" dirty="0">
+                <a:solidFill>
+                  <a:srgbClr val="888888"/>
+                </a:solidFill>
+                <a:effectLst/>
+                <a:latin typeface="Helvetica Neue"/>
+              </a:rPr>
+              <a:t>Accuracy = TP+TN/(TP+FP+FN+TN)</a:t>
+            </a:r>
+          </a:p>
+          <a:p>
+            <a:r>
+              <a:rPr lang="en-IN" b="0" i="0" dirty="0">
+                <a:solidFill>
+                  <a:srgbClr val="888888"/>
+                </a:solidFill>
+                <a:effectLst/>
+                <a:latin typeface="Helvetica Neue"/>
+              </a:rPr>
+              <a:t>Precision = TP/(TP+FP)</a:t>
+            </a:r>
+            <a:endParaRPr lang="en-US" dirty="0">
+              <a:solidFill>
+                <a:srgbClr val="888888"/>
+              </a:solidFill>
+              <a:latin typeface="Helvetica Neue"/>
+            </a:endParaRPr>
+          </a:p>
+          <a:p>
+            <a:r>
+              <a:rPr lang="en-IN" b="0" i="0" dirty="0">
+                <a:solidFill>
+                  <a:srgbClr val="888888"/>
+                </a:solidFill>
+                <a:effectLst/>
+                <a:latin typeface="Helvetica Neue"/>
+              </a:rPr>
+              <a:t>Recall = TP/(TP+FN)</a:t>
+            </a:r>
+            <a:endParaRPr lang="en-US" b="0" i="0" dirty="0">
+              <a:solidFill>
+                <a:srgbClr val="888888"/>
+              </a:solidFill>
+              <a:effectLst/>
+              <a:latin typeface="Helvetica Neue"/>
+            </a:endParaRPr>
+          </a:p>
+          <a:p>
+            <a:r>
+              <a:rPr lang="en-IN" b="0" i="0" dirty="0">
+                <a:solidFill>
+                  <a:srgbClr val="888888"/>
+                </a:solidFill>
+                <a:effectLst/>
+                <a:latin typeface="Helvetica Neue"/>
+              </a:rPr>
+              <a:t>F1 Score = 2*(Recall * Precision) / (Recall + Precision)</a:t>
+            </a:r>
+            <a:endParaRPr lang="en-IN" dirty="0"/>
+          </a:p>
+        </p:txBody>
+      </p:sp>
+      <p:pic>
+        <p:nvPicPr>
+          <p:cNvPr id="7" name="Picture 6">
+            <a:extLst>
+              <a:ext uri="{FF2B5EF4-FFF2-40B4-BE49-F238E27FC236}">
+                <a16:creationId xmlns:a16="http://schemas.microsoft.com/office/drawing/2014/main" id="{AC04B557-B71E-4A37-BB9D-3CEDDD048D5E}"/>
+              </a:ext>
+            </a:extLst>
+          </p:cNvPr>
+          <p:cNvPicPr>
+            <a:picLocks noChangeAspect="1"/>
+          </p:cNvPicPr>
+          <p:nvPr/>
+        </p:nvPicPr>
+        <p:blipFill>
+          <a:blip r:embed="rId3"/>
+          <a:stretch>
+            <a:fillRect/>
+          </a:stretch>
+        </p:blipFill>
+        <p:spPr>
+          <a:xfrm>
+            <a:off x="5986392" y="757685"/>
+            <a:ext cx="5915025" cy="4266663"/>
+          </a:xfrm>
+          <a:prstGeom prst="rect">
+            <a:avLst/>
+          </a:prstGeom>
+        </p:spPr>
+      </p:pic>
+      <p:pic>
+        <p:nvPicPr>
+          <p:cNvPr id="10" name="Picture 9">
+            <a:extLst>
+              <a:ext uri="{FF2B5EF4-FFF2-40B4-BE49-F238E27FC236}">
+                <a16:creationId xmlns:a16="http://schemas.microsoft.com/office/drawing/2014/main" id="{542086F8-34BF-4814-A3DB-B383A8CE5903}"/>
+              </a:ext>
+            </a:extLst>
+          </p:cNvPr>
+          <p:cNvPicPr>
+            <a:picLocks noChangeAspect="1"/>
+          </p:cNvPicPr>
+          <p:nvPr/>
+        </p:nvPicPr>
+        <p:blipFill>
+          <a:blip r:embed="rId4"/>
+          <a:stretch>
+            <a:fillRect/>
+          </a:stretch>
+        </p:blipFill>
+        <p:spPr>
+          <a:xfrm>
+            <a:off x="1163327" y="1822361"/>
+            <a:ext cx="4711942" cy="2952902"/>
+          </a:xfrm>
+          <a:prstGeom prst="rect">
+            <a:avLst/>
+          </a:prstGeom>
+        </p:spPr>
+      </p:pic>
+    </p:spTree>
+    <p:extLst>
+      <p:ext uri="{BB962C8B-B14F-4D97-AF65-F5344CB8AC3E}">
+        <p14:creationId xmlns:p14="http://schemas.microsoft.com/office/powerpoint/2010/main" val="673244237"/>
+      </p:ext>
+    </p:extLst>
+  </p:cSld>
+  <p:clrMapOvr>
+    <a:masterClrMapping/>
+  </p:clrMapOvr>
+</p:sld>
+</file>
+
+<file path=ppt/slides/slide27.xml><?xml version="1.0" encoding="utf-8"?>
+<p:sld xmlns:a="http://schemas.openxmlformats.org/drawingml/2006/main" xmlns:r="http://schemas.openxmlformats.org/officeDocument/2006/relationships" xmlns:p="http://schemas.openxmlformats.org/presentationml/2006/main">
+  <p:cSld>
+    <p:spTree>
+      <p:nvGrpSpPr>
+        <p:cNvPr id="1" name=""/>
+        <p:cNvGrpSpPr/>
+        <p:nvPr/>
+      </p:nvGrpSpPr>
+      <p:grpSpPr>
+        <a:xfrm>
+          <a:off x="0" y="0"/>
+          <a:ext cx="0" cy="0"/>
+          <a:chOff x="0" y="0"/>
+          <a:chExt cx="0" cy="0"/>
+        </a:xfrm>
+      </p:grpSpPr>
+      <p:sp>
+        <p:nvSpPr>
           <p:cNvPr id="27" name="Rectangle: Rounded Corners 26">
             <a:extLst>
               <a:ext uri="{FF2B5EF4-FFF2-40B4-BE49-F238E27FC236}">
@@ -15931,7 +15594,7 @@
           <a:p>
             <a:fld id="{89901C2D-82A2-4EF3-9AE4-31F78FDAF399}" type="slidenum">
               <a:rPr lang="en-IN" smtClean="0"/>
-              <a:t>25</a:t>
+              <a:t>27</a:t>
             </a:fld>
             <a:endParaRPr lang="en-IN"/>
           </a:p>
@@ -16541,7 +16204,7 @@
 </p:sld>
 </file>
 
-<file path=ppt/slides/slide26.xml><?xml version="1.0" encoding="utf-8"?>
+<file path=ppt/slides/slide28.xml><?xml version="1.0" encoding="utf-8"?>
 <p:sld xmlns:a="http://schemas.openxmlformats.org/drawingml/2006/main" xmlns:r="http://schemas.openxmlformats.org/officeDocument/2006/relationships" xmlns:p="http://schemas.openxmlformats.org/presentationml/2006/main">
   <p:cSld>
     <p:spTree>
@@ -16803,7 +16466,7 @@
           <a:p>
             <a:fld id="{89901C2D-82A2-4EF3-9AE4-31F78FDAF399}" type="slidenum">
               <a:rPr lang="en-IN" smtClean="0"/>
-              <a:t>26</a:t>
+              <a:t>28</a:t>
             </a:fld>
             <a:endParaRPr lang="en-IN"/>
           </a:p>
